--- a/cMAP_stats.pptx
+++ b/cMAP_stats.pptx
@@ -5,10 +5,10 @@
     <p:sldMasterId id="2147483648" r:id="rId1"/>
   </p:sldMasterIdLst>
   <p:notesMasterIdLst>
-    <p:notesMasterId r:id="rId38"/>
+    <p:notesMasterId r:id="rId44"/>
   </p:notesMasterIdLst>
   <p:handoutMasterIdLst>
-    <p:handoutMasterId r:id="rId39"/>
+    <p:handoutMasterId r:id="rId45"/>
   </p:handoutMasterIdLst>
   <p:sldIdLst>
     <p:sldId id="256" r:id="rId3"/>
@@ -44,8 +44,14 @@
     <p:sldId id="270" r:id="rId33"/>
     <p:sldId id="297" r:id="rId34"/>
     <p:sldId id="280" r:id="rId35"/>
-    <p:sldId id="298" r:id="rId36"/>
-    <p:sldId id="299" r:id="rId37"/>
+    <p:sldId id="300" r:id="rId36"/>
+    <p:sldId id="298" r:id="rId37"/>
+    <p:sldId id="322" r:id="rId38"/>
+    <p:sldId id="318" r:id="rId39"/>
+    <p:sldId id="319" r:id="rId40"/>
+    <p:sldId id="320" r:id="rId41"/>
+    <p:sldId id="321" r:id="rId42"/>
+    <p:sldId id="299" r:id="rId43"/>
   </p:sldIdLst>
   <p:sldSz cx="12192000" cy="6858000"/>
   <p:notesSz cx="7103745" cy="10234295"/>
@@ -3187,10 +3193,10 @@
           <a:bodyPr/>
           <a:p>
             <a:r>
-              <a:rPr lang="" altLang="en-US"/>
+              <a:rPr lang="en-US" altLang="en-US"/>
               <a:t>Connectivety Map</a:t>
             </a:r>
-            <a:endParaRPr lang="" altLang="en-US"/>
+            <a:endParaRPr lang="en-US" altLang="en-US"/>
           </a:p>
         </p:txBody>
       </p:sp>
@@ -3209,10 +3215,10 @@
           <a:bodyPr/>
           <a:p>
             <a:r>
-              <a:rPr lang="" altLang="en-US"/>
+              <a:rPr lang="en-US" altLang="en-US"/>
               <a:t>compared with RNA-Seq from mose</a:t>
             </a:r>
-            <a:endParaRPr lang="" altLang="en-US"/>
+            <a:endParaRPr lang="en-US" altLang="en-US"/>
           </a:p>
         </p:txBody>
       </p:sp>
@@ -3903,28 +3909,18 @@
           <a:p>
             <a:r>
               <a:rPr lang="en-US" altLang="en-US" sz="1400"/>
-              <a:t>-Tgfa differ </a:t>
-            </a:r>
-            <a:r>
-              <a:rPr lang="" altLang="en-US" sz="1400"/>
-              <a:t>in Nx/Sham</a:t>
-            </a:r>
-            <a:endParaRPr lang="" altLang="en-US" sz="1400"/>
+              <a:t>-Tgfa differ in Nx/Sham</a:t>
+            </a:r>
+            <a:endParaRPr lang="en-US" altLang="en-US" sz="1400"/>
           </a:p>
           <a:p>
             <a:r>
               <a:rPr lang="en-US" altLang="en-US" sz="1400">
                 <a:sym typeface="+mn-ea"/>
               </a:rPr>
-              <a:t>-Tgfa differ in </a:t>
-            </a:r>
-            <a:r>
-              <a:rPr lang="" altLang="en-US" sz="1400">
-                <a:sym typeface="+mn-ea"/>
-              </a:rPr>
-              <a:t>Nx: mut/p</a:t>
-            </a:r>
-            <a:endParaRPr lang="" altLang="en-US" sz="1400">
+              <a:t>-Tgfa differ in Nx: mut/p</a:t>
+            </a:r>
+            <a:endParaRPr lang="en-US" altLang="en-US" sz="1400">
               <a:sym typeface="+mn-ea"/>
             </a:endParaRPr>
           </a:p>
@@ -4575,18 +4571,10 @@
               <a:buNone/>
             </a:pPr>
             <a:r>
-              <a:rPr lang="" altLang="en-US" sz="1800"/>
-              <a:t>We f</a:t>
-            </a:r>
-            <a:r>
               <a:rPr lang="en-US" altLang="en-US" sz="1800"/>
-              <a:t>ocus on genes that change in parent but not in mutant with Nx </a:t>
-            </a:r>
-            <a:r>
-              <a:rPr lang="" altLang="en-US" sz="1800"/>
-              <a:t>(the red)</a:t>
-            </a:r>
-            <a:endParaRPr lang="" altLang="en-US" sz="1800"/>
+              <a:t>We focus on genes that change in parent but not in mutant with Nx (the red)</a:t>
+            </a:r>
+            <a:endParaRPr lang="en-US" altLang="en-US" sz="1800"/>
           </a:p>
         </p:txBody>
       </p:sp>
@@ -5016,10 +5004,10 @@
           <a:bodyPr/>
           <a:p>
             <a:r>
-              <a:rPr lang="" altLang="en-US"/>
+              <a:rPr lang="en-US" altLang="en-US"/>
               <a:t>Part2: cMAP</a:t>
             </a:r>
-            <a:endParaRPr lang="" altLang="en-US"/>
+            <a:endParaRPr lang="en-US" altLang="en-US"/>
           </a:p>
         </p:txBody>
       </p:sp>
@@ -5213,10 +5201,10 @@
           <a:bodyPr/>
           <a:p>
             <a:r>
-              <a:rPr lang="" altLang="en-US" b="1"/>
+              <a:rPr lang="en-US" altLang="en-US" b="1"/>
               <a:t>Goal</a:t>
             </a:r>
-            <a:endParaRPr lang="" altLang="en-US" b="1"/>
+            <a:endParaRPr lang="en-US" altLang="en-US" b="1"/>
           </a:p>
         </p:txBody>
       </p:sp>
@@ -5235,20 +5223,20 @@
           <a:bodyPr/>
           <a:p>
             <a:r>
-              <a:rPr lang="" altLang="en-US" sz="2000"/>
+              <a:rPr lang="en-US" altLang="en-US" sz="2000"/>
               <a:t>Compare RNA-Seq from kidney Egf/Tgfa KO mice with connectivety map L1000</a:t>
             </a:r>
-            <a:endParaRPr lang="" altLang="en-US" sz="2000"/>
-          </a:p>
-          <a:p>
-            <a:endParaRPr lang="" altLang="en-US" sz="2000"/>
-          </a:p>
-          <a:p>
-            <a:r>
-              <a:rPr lang="" altLang="en-US" sz="2000"/>
+            <a:endParaRPr lang="en-US" altLang="en-US" sz="2000"/>
+          </a:p>
+          <a:p>
+            <a:endParaRPr lang="en-US" altLang="en-US" sz="2000"/>
+          </a:p>
+          <a:p>
+            <a:r>
+              <a:rPr lang="en-US" altLang="en-US" sz="2000"/>
               <a:t>Find closest drug to reverse changes or replicate them</a:t>
             </a:r>
-            <a:endParaRPr lang="" altLang="en-US" sz="2000"/>
+            <a:endParaRPr lang="en-US" altLang="en-US" sz="2000"/>
           </a:p>
         </p:txBody>
       </p:sp>
@@ -5312,7 +5300,7 @@
           <a:bodyPr/>
           <a:p>
             <a:r>
-              <a:rPr lang="" altLang="en-US" sz="1800"/>
+              <a:rPr lang="en-US" altLang="en-US" sz="1800"/>
               <a:t>The data base can show emmediately the factors/</a:t>
             </a:r>
             <a:r>
@@ -5322,17 +5310,56 @@
               <a:t>perturbation </a:t>
             </a:r>
             <a:r>
+              <a:rPr lang="en-US" altLang="en-US" sz="1800">
+                <a:sym typeface="+mn-ea"/>
+              </a:rPr>
+              <a:t>that affect any gene.</a:t>
+            </a:r>
+            <a:endParaRPr lang="en-US" altLang="en-US" sz="1800">
+              <a:sym typeface="+mn-ea"/>
+            </a:endParaRPr>
+          </a:p>
+          <a:p>
+            <a:endParaRPr lang="en-US" altLang="en-US" sz="1800">
+              <a:sym typeface="+mn-ea"/>
+            </a:endParaRPr>
+          </a:p>
+          <a:p>
+            <a:pPr marL="0" indent="0">
+              <a:buNone/>
+            </a:pPr>
+            <a:r>
+              <a:rPr lang="en-US" altLang="en-US" sz="1800" b="1" u="sng">
+                <a:sym typeface="+mn-ea"/>
+              </a:rPr>
+              <a:t>Drawbacks: </a:t>
+            </a:r>
+            <a:endParaRPr lang="en-US" altLang="en-US" sz="1800" b="1" u="sng">
+              <a:sym typeface="+mn-ea"/>
+            </a:endParaRPr>
+          </a:p>
+          <a:p>
+            <a:r>
+              <a:rPr lang="en-US" altLang="en-US" sz="1800">
+                <a:sym typeface="+mn-ea"/>
+              </a:rPr>
+              <a:t>Hard to work with list of genes</a:t>
+            </a:r>
+            <a:endParaRPr lang="en-US" altLang="en-US" sz="1800">
+              <a:sym typeface="+mn-ea"/>
+            </a:endParaRPr>
+          </a:p>
+          <a:p>
+            <a:pPr marL="0" indent="0">
+              <a:buNone/>
+            </a:pPr>
+            <a:r>
               <a:rPr lang="" altLang="en-US" sz="1800">
                 <a:sym typeface="+mn-ea"/>
               </a:rPr>
-              <a:t>that affect any gene.</a:t>
-            </a:r>
-            <a:endParaRPr lang="" altLang="en-US" sz="1800">
-              <a:sym typeface="+mn-ea"/>
-            </a:endParaRPr>
-          </a:p>
-          <a:p>
-            <a:endParaRPr lang="" altLang="en-US" sz="1800">
+              <a:t>(max 150 genes *2)</a:t>
+            </a:r>
+            <a:endParaRPr lang="en-US" altLang="en-US" sz="1800">
               <a:sym typeface="+mn-ea"/>
             </a:endParaRPr>
           </a:p>
@@ -5340,88 +5367,43 @@
             <a:pPr marL="0" indent="0">
               <a:buNone/>
             </a:pPr>
-            <a:r>
-              <a:rPr lang="" altLang="en-US" sz="1800" b="1" u="sng">
+            <a:endParaRPr lang="en-US" altLang="en-US" sz="1800" b="1" u="sng">
+              <a:sym typeface="+mn-ea"/>
+            </a:endParaRPr>
+          </a:p>
+          <a:p>
+            <a:pPr marL="0" indent="0">
+              <a:buNone/>
+            </a:pPr>
+            <a:r>
+              <a:rPr lang="en-US" altLang="en-US" sz="1800" b="1" u="sng">
                 <a:sym typeface="+mn-ea"/>
               </a:rPr>
-              <a:t>Drawbacks: </a:t>
-            </a:r>
-            <a:endParaRPr lang="" altLang="en-US" sz="1800" b="1" u="sng">
+              <a:t>Solution:</a:t>
+            </a:r>
+            <a:endParaRPr lang="en-US" altLang="en-US" sz="1800" b="1" u="sng">
               <a:sym typeface="+mn-ea"/>
             </a:endParaRPr>
           </a:p>
           <a:p>
-            <a:r>
-              <a:rPr lang="" altLang="en-US" sz="1800">
-                <a:sym typeface="+mn-ea"/>
-              </a:rPr>
-              <a:t>Hard to work with list of genes</a:t>
-            </a:r>
-            <a:endParaRPr lang="" altLang="en-US" sz="1800">
-              <a:sym typeface="+mn-ea"/>
-            </a:endParaRPr>
-          </a:p>
-          <a:p>
-            <a:r>
-              <a:rPr lang="" altLang="en-US" sz="1800">
-                <a:sym typeface="+mn-ea"/>
-              </a:rPr>
-              <a:t>Hard</a:t>
-            </a:r>
             <a:r>
               <a:rPr lang="en-US" altLang="en-US" sz="1800">
                 <a:sym typeface="+mn-ea"/>
               </a:rPr>
-              <a:t> to work with </a:t>
-            </a:r>
-            <a:r>
-              <a:rPr lang="" altLang="en-US" sz="1800">
-                <a:sym typeface="+mn-ea"/>
-              </a:rPr>
-              <a:t>only one cell-line</a:t>
-            </a:r>
-            <a:endParaRPr lang="" altLang="en-US" sz="1800">
+              <a:t>Download data</a:t>
+            </a:r>
+            <a:endParaRPr lang="en-US" altLang="en-US" sz="1800">
               <a:sym typeface="+mn-ea"/>
             </a:endParaRPr>
           </a:p>
           <a:p>
-            <a:endParaRPr lang="" altLang="en-US" sz="1800">
-              <a:sym typeface="+mn-ea"/>
-            </a:endParaRPr>
-          </a:p>
-          <a:p>
-            <a:pPr marL="0" indent="0">
-              <a:buNone/>
-            </a:pPr>
-            <a:r>
-              <a:rPr lang="" altLang="en-US" sz="1800" b="1" u="sng">
-                <a:sym typeface="+mn-ea"/>
-              </a:rPr>
-              <a:t>Solution:</a:t>
-            </a:r>
-            <a:endParaRPr lang="" altLang="en-US" sz="1800" b="1" u="sng">
-              <a:sym typeface="+mn-ea"/>
-            </a:endParaRPr>
-          </a:p>
-          <a:p>
-            <a:r>
-              <a:rPr lang="" altLang="en-US" sz="1800">
-                <a:sym typeface="+mn-ea"/>
-              </a:rPr>
-              <a:t>Download data</a:t>
-            </a:r>
-            <a:endParaRPr lang="" altLang="en-US" sz="1800">
-              <a:sym typeface="+mn-ea"/>
-            </a:endParaRPr>
-          </a:p>
-          <a:p>
-            <a:r>
-              <a:rPr lang="" altLang="en-US" sz="1800">
+            <a:r>
+              <a:rPr lang="en-US" altLang="en-US" sz="1800">
                 <a:sym typeface="+mn-ea"/>
               </a:rPr>
               <a:t>Do it yourself</a:t>
             </a:r>
-            <a:endParaRPr lang="" altLang="en-US" sz="1800">
+            <a:endParaRPr lang="en-US" altLang="en-US" sz="1800">
               <a:sym typeface="+mn-ea"/>
             </a:endParaRPr>
           </a:p>
@@ -5534,11 +5516,7 @@
           <a:p>
             <a:r>
               <a:rPr lang="en-US" altLang="en-US" sz="2000"/>
-              <a:t>Only 1473 genes out of </a:t>
-            </a:r>
-            <a:r>
-              <a:rPr lang="" altLang="en-US" sz="2000"/>
-              <a:t>DEG </a:t>
+              <a:t>Only 1473 genes out of DEG </a:t>
             </a:r>
             <a:r>
               <a:rPr lang="en-US" altLang="en-US" sz="2000">
@@ -5555,15 +5533,7 @@
           <a:p>
             <a:r>
               <a:rPr lang="en-US" altLang="en-US" sz="2000"/>
-              <a:t>There are 3911 samples of HA1E at 24 h (2382 compound in 13</a:t>
-            </a:r>
-            <a:r>
-              <a:rPr lang="" altLang="en-US" sz="2000"/>
-              <a:t>x3</a:t>
-            </a:r>
-            <a:r>
-              <a:rPr lang="en-US" altLang="en-US" sz="2000"/>
-              <a:t> plates)</a:t>
+              <a:t>There are 3911 samples of HA1E at 24 h (2382 compound in 13x3 plates)</a:t>
             </a:r>
             <a:endParaRPr lang="en-US" altLang="en-US" sz="2000"/>
           </a:p>
@@ -5699,13 +5669,9 @@
           <a:p>
             <a:r>
               <a:rPr lang="en-US" altLang="en-US" b="1"/>
-              <a:t>DMSO </a:t>
-            </a:r>
-            <a:r>
-              <a:rPr lang="" altLang="en-US" b="1"/>
-              <a:t>noise</a:t>
-            </a:r>
-            <a:endParaRPr lang="" altLang="en-US" b="1"/>
+              <a:t>DMSO noise</a:t>
+            </a:r>
+            <a:endParaRPr lang="en-US" altLang="en-US" b="1"/>
           </a:p>
         </p:txBody>
       </p:sp>
@@ -5816,13 +5782,9 @@
           <a:p>
             <a:r>
               <a:rPr lang="en-US" altLang="en-US" b="1"/>
-              <a:t>Average DMSO </a:t>
-            </a:r>
-            <a:r>
-              <a:rPr lang="" altLang="en-US" b="1"/>
-              <a:t>per plate</a:t>
-            </a:r>
-            <a:endParaRPr lang="" altLang="en-US" b="1"/>
+              <a:t>Average DMSO per plate</a:t>
+            </a:r>
+            <a:endParaRPr lang="en-US" altLang="en-US" b="1"/>
           </a:p>
         </p:txBody>
       </p:sp>
@@ -5857,15 +5819,7 @@
           <a:p>
             <a:r>
               <a:rPr lang="en-US" altLang="en-US" sz="1800"/>
-              <a:t>Two plates </a:t>
-            </a:r>
-            <a:r>
-              <a:rPr lang="" altLang="en-US" sz="1800"/>
-              <a:t>may </a:t>
-            </a:r>
-            <a:r>
-              <a:rPr lang="en-US" altLang="en-US" sz="1800"/>
-              <a:t>have issues. </a:t>
+              <a:t>Two plates may have issues. </a:t>
             </a:r>
             <a:endParaRPr lang="en-US" altLang="en-US" sz="1800">
               <a:sym typeface="+mn-ea"/>
@@ -6038,30 +5992,6 @@
           </a:p>
         </p:txBody>
       </p:sp>
-      <p:pic>
-        <p:nvPicPr>
-          <p:cNvPr id="4" name="Picture 3"/>
-          <p:cNvPicPr>
-            <a:picLocks noChangeAspect="1"/>
-          </p:cNvPicPr>
-          <p:nvPr/>
-        </p:nvPicPr>
-        <p:blipFill>
-          <a:blip r:embed="rId1"/>
-          <a:stretch>
-            <a:fillRect/>
-          </a:stretch>
-        </p:blipFill>
-        <p:spPr>
-          <a:xfrm>
-            <a:off x="6358890" y="1585595"/>
-            <a:ext cx="4918075" cy="4832350"/>
-          </a:xfrm>
-          <a:prstGeom prst="rect">
-            <a:avLst/>
-          </a:prstGeom>
-        </p:spPr>
-      </p:pic>
     </p:spTree>
   </p:cSld>
   <p:clrMapOvr>
@@ -6095,10 +6025,10 @@
           <a:bodyPr/>
           <a:p>
             <a:r>
-              <a:rPr lang="" altLang="en-US"/>
+              <a:rPr lang="en-US" altLang="en-US"/>
               <a:t>Normalize all samples</a:t>
             </a:r>
-            <a:endParaRPr lang="" altLang="en-US"/>
+            <a:endParaRPr lang="en-US" altLang="en-US"/>
           </a:p>
         </p:txBody>
       </p:sp>
@@ -6117,20 +6047,20 @@
           <a:bodyPr/>
           <a:p>
             <a:r>
-              <a:rPr lang="" altLang="en-US" sz="1800"/>
+              <a:rPr lang="en-US" altLang="en-US" sz="1800"/>
               <a:t>new_Value= z-score (sample) - average(z-score(DMSOs in the same plate))</a:t>
             </a:r>
-            <a:endParaRPr lang="" altLang="en-US" sz="1800"/>
-          </a:p>
-          <a:p>
-            <a:endParaRPr lang="" altLang="en-US" sz="1800"/>
-          </a:p>
-          <a:p>
-            <a:r>
-              <a:rPr lang="" altLang="en-US" sz="1800"/>
+            <a:endParaRPr lang="en-US" altLang="en-US" sz="1800"/>
+          </a:p>
+          <a:p>
+            <a:endParaRPr lang="en-US" altLang="en-US" sz="1800"/>
+          </a:p>
+          <a:p>
+            <a:r>
+              <a:rPr lang="en-US" altLang="en-US" sz="1800"/>
               <a:t>Only significant genes from RNA-Seq mouse-Tgfa</a:t>
             </a:r>
-            <a:endParaRPr lang="" altLang="en-US" sz="1800"/>
+            <a:endParaRPr lang="en-US" altLang="en-US" sz="1800"/>
           </a:p>
         </p:txBody>
       </p:sp>
@@ -6194,11 +6124,7 @@
           <a:p>
             <a:r>
               <a:rPr lang="en-US" altLang="en-US"/>
-              <a:t>PCA </a:t>
-            </a:r>
-            <a:r>
-              <a:rPr lang="" altLang="en-US"/>
-              <a:t>for all </a:t>
+              <a:t>PCA for all </a:t>
             </a:r>
             <a:r>
               <a:rPr lang="en-US" altLang="en-US">
@@ -6206,7 +6132,7 @@
               </a:rPr>
               <a:t>HA1E</a:t>
             </a:r>
-            <a:endParaRPr lang="" altLang="en-US"/>
+            <a:endParaRPr lang="en-US" altLang="en-US"/>
           </a:p>
         </p:txBody>
       </p:sp>
@@ -6232,7 +6158,7 @@
           </a:bodyPr>
           <a:p>
             <a:r>
-              <a:rPr lang="" altLang="en-US"/>
+              <a:rPr lang="en-US" altLang="en-US"/>
               <a:t>No special clustering</a:t>
             </a:r>
             <a:endParaRPr lang="en-US" altLang="en-US"/>
@@ -6382,13 +6308,9 @@
           <a:p>
             <a:r>
               <a:rPr lang="en-US" altLang="en-US"/>
-              <a:t>t-SNE </a:t>
-            </a:r>
-            <a:r>
-              <a:rPr lang="" altLang="en-US"/>
-              <a:t>for all HA1E</a:t>
-            </a:r>
-            <a:endParaRPr lang="" altLang="en-US"/>
+              <a:t>t-SNE for all HA1E</a:t>
+            </a:r>
+            <a:endParaRPr lang="en-US" altLang="en-US"/>
           </a:p>
         </p:txBody>
       </p:sp>
@@ -6414,10 +6336,10 @@
           </a:bodyPr>
           <a:p>
             <a:r>
-              <a:rPr lang="" altLang="en-US"/>
+              <a:rPr lang="en-US" altLang="en-US"/>
               <a:t>Useless!</a:t>
             </a:r>
-            <a:endParaRPr lang="" altLang="en-US"/>
+            <a:endParaRPr lang="en-US" altLang="en-US"/>
           </a:p>
         </p:txBody>
       </p:sp>
@@ -6490,23 +6412,19 @@
           <a:p>
             <a:r>
               <a:rPr lang="en-US" altLang="en-US" sz="2000"/>
-              <a:t>No </a:t>
-            </a:r>
-            <a:r>
-              <a:rPr lang="" altLang="en-US" sz="2000"/>
-              <a:t>close samples</a:t>
-            </a:r>
-            <a:endParaRPr lang="" altLang="en-US" sz="2000"/>
-          </a:p>
-          <a:p>
-            <a:endParaRPr lang="" altLang="en-US" sz="2000"/>
-          </a:p>
-          <a:p>
-            <a:r>
-              <a:rPr lang="" altLang="en-US" sz="2000"/>
+              <a:t>No close samples</a:t>
+            </a:r>
+            <a:endParaRPr lang="en-US" altLang="en-US" sz="2000"/>
+          </a:p>
+          <a:p>
+            <a:endParaRPr lang="en-US" altLang="en-US" sz="2000"/>
+          </a:p>
+          <a:p>
+            <a:r>
+              <a:rPr lang="en-US" altLang="en-US" sz="2000"/>
               <a:t>The closest are DMSO and HDAC inhibitors, the furthest is anti-tumoral agents (see later)</a:t>
             </a:r>
-            <a:endParaRPr lang="" altLang="en-US" sz="2000"/>
+            <a:endParaRPr lang="en-US" altLang="en-US" sz="2000"/>
           </a:p>
         </p:txBody>
       </p:sp>
@@ -6567,10 +6485,10 @@
           <a:bodyPr/>
           <a:p>
             <a:r>
-              <a:rPr lang="" altLang="en-US"/>
+              <a:rPr lang="en-US" altLang="en-US"/>
               <a:t>Part1: RNA-Seq</a:t>
             </a:r>
-            <a:endParaRPr lang="" altLang="en-US"/>
+            <a:endParaRPr lang="en-US" altLang="en-US"/>
           </a:p>
         </p:txBody>
       </p:sp>
@@ -6589,46 +6507,46 @@
           <a:bodyPr/>
           <a:p>
             <a:r>
-              <a:rPr lang="" altLang="en-US" sz="2000"/>
+              <a:rPr lang="en-US" altLang="en-US" sz="2000"/>
               <a:t>Data from Serge's raw-reads of RNA-Seq</a:t>
             </a:r>
-            <a:endParaRPr lang="" altLang="en-US" sz="2000"/>
-          </a:p>
-          <a:p>
-            <a:endParaRPr lang="" altLang="en-US" sz="2000"/>
+            <a:endParaRPr lang="en-US" altLang="en-US" sz="2000"/>
+          </a:p>
+          <a:p>
+            <a:endParaRPr lang="en-US" altLang="en-US" sz="2000"/>
           </a:p>
           <a:p>
             <a:pPr marL="0" indent="0">
               <a:buNone/>
             </a:pPr>
-            <a:endParaRPr lang="" altLang="en-US" sz="2000"/>
+            <a:endParaRPr lang="en-US" altLang="en-US" sz="2000"/>
           </a:p>
           <a:p>
             <a:pPr marL="0" indent="0">
               <a:buNone/>
             </a:pPr>
             <a:r>
-              <a:rPr lang="" altLang="en-US" sz="2000"/>
+              <a:rPr lang="en-US" altLang="en-US" sz="2000"/>
               <a:t>Summary:</a:t>
             </a:r>
-            <a:endParaRPr lang="" altLang="en-US" sz="2000"/>
-          </a:p>
-          <a:p>
-            <a:r>
-              <a:rPr lang="" altLang="en-US" sz="2000"/>
+            <a:endParaRPr lang="en-US" altLang="en-US" sz="2000"/>
+          </a:p>
+          <a:p>
+            <a:r>
+              <a:rPr lang="en-US" altLang="en-US" sz="2000"/>
               <a:t>Egf does not change with Nx</a:t>
             </a:r>
-            <a:endParaRPr lang="" altLang="en-US" sz="2000"/>
-          </a:p>
-          <a:p>
-            <a:r>
-              <a:rPr lang="" altLang="en-US" sz="2000"/>
+            <a:endParaRPr lang="en-US" altLang="en-US" sz="2000"/>
+          </a:p>
+          <a:p>
+            <a:r>
+              <a:rPr lang="en-US" altLang="en-US" sz="2000"/>
               <a:t>Tgfa-mut is less affected by Nx</a:t>
             </a:r>
-            <a:endParaRPr lang="" altLang="en-US" sz="2000"/>
-          </a:p>
-          <a:p>
-            <a:endParaRPr lang="" altLang="en-US" sz="2000"/>
+            <a:endParaRPr lang="en-US" altLang="en-US" sz="2000"/>
+          </a:p>
+          <a:p>
+            <a:endParaRPr lang="en-US" altLang="en-US" sz="2000"/>
           </a:p>
         </p:txBody>
       </p:sp>
@@ -6774,12 +6692,8 @@
           <a:bodyPr/>
           <a:p>
             <a:r>
-              <a:rPr lang="" altLang="en-US" sz="3600" b="1"/>
-              <a:t>Sample </a:t>
-            </a:r>
-            <a:r>
               <a:rPr lang="en-US" altLang="en-US" sz="3600" b="1"/>
-              <a:t>correlation</a:t>
+              <a:t>Sample correlation</a:t>
             </a:r>
             <a:endParaRPr lang="en-US" altLang="en-US" sz="3600" b="1"/>
           </a:p>
@@ -6833,20 +6747,20 @@
           </a:bodyPr>
           <a:p>
             <a:r>
-              <a:rPr lang="" altLang="en-US"/>
+              <a:rPr lang="en-US" altLang="en-US"/>
               <a:t>Families of drugs show similarities (purple boxs)</a:t>
             </a:r>
-            <a:endParaRPr lang="" altLang="en-US"/>
-          </a:p>
-          <a:p>
-            <a:endParaRPr lang="" altLang="en-US"/>
-          </a:p>
-          <a:p>
-            <a:r>
-              <a:rPr lang="" altLang="en-US"/>
+            <a:endParaRPr lang="en-US" altLang="en-US"/>
+          </a:p>
+          <a:p>
+            <a:endParaRPr lang="en-US" altLang="en-US"/>
+          </a:p>
+          <a:p>
+            <a:r>
+              <a:rPr lang="en-US" altLang="en-US"/>
               <a:t>RNA-Seq is not among them</a:t>
             </a:r>
-            <a:endParaRPr lang="" altLang="en-US"/>
+            <a:endParaRPr lang="en-US" altLang="en-US"/>
           </a:p>
         </p:txBody>
       </p:sp>
@@ -6883,10 +6797,10 @@
           <a:bodyPr/>
           <a:p>
             <a:r>
-              <a:rPr lang="" altLang="en-US"/>
+              <a:rPr lang="en-US" altLang="en-US"/>
               <a:t>Results!</a:t>
             </a:r>
-            <a:endParaRPr lang="" altLang="en-US"/>
+            <a:endParaRPr lang="en-US" altLang="en-US"/>
           </a:p>
         </p:txBody>
       </p:sp>
@@ -6966,33 +6880,33 @@
           <a:bodyPr/>
           <a:p>
             <a:r>
-              <a:rPr lang="" altLang="en-US" sz="2000"/>
+              <a:rPr lang="en-US" altLang="en-US" sz="2000"/>
               <a:t>Correlation of RNA-Seq with L1000 is 0,3 max</a:t>
             </a:r>
-            <a:endParaRPr lang="" altLang="en-US" sz="2000"/>
-          </a:p>
-          <a:p>
-            <a:endParaRPr lang="" altLang="en-US" sz="2000"/>
-          </a:p>
-          <a:p>
-            <a:r>
-              <a:rPr lang="" altLang="en-US" sz="2000"/>
+            <a:endParaRPr lang="en-US" altLang="en-US" sz="2000"/>
+          </a:p>
+          <a:p>
+            <a:endParaRPr lang="en-US" altLang="en-US" sz="2000"/>
+          </a:p>
+          <a:p>
+            <a:r>
+              <a:rPr lang="en-US" altLang="en-US" sz="2000"/>
               <a:t>Corr- pearson over 0,2:  </a:t>
             </a:r>
             <a:r>
-              <a:rPr lang="" altLang="en-US" sz="2000" b="1"/>
+              <a:rPr lang="en-US" altLang="en-US" sz="2000" b="1"/>
               <a:t>HDAC inhibitors</a:t>
             </a:r>
             <a:r>
-              <a:rPr lang="" altLang="en-US" sz="2000"/>
+              <a:rPr lang="en-US" altLang="en-US" sz="2000"/>
               <a:t> (trichostatin-a, panobinostat), </a:t>
             </a:r>
             <a:r>
-              <a:rPr lang="" altLang="en-US" sz="2000" b="1"/>
+              <a:rPr lang="en-US" altLang="en-US" sz="2000" b="1"/>
               <a:t>apoptotic agent</a:t>
             </a:r>
             <a:r>
-              <a:rPr lang="" altLang="en-US" sz="2000"/>
+              <a:rPr lang="en-US" altLang="en-US" sz="2000"/>
               <a:t> (PAC-1) and </a:t>
             </a:r>
             <a:r>
@@ -7005,127 +6919,85 @@
               <a:rPr lang="en-US" altLang="en-US" sz="2000">
                 <a:sym typeface="+mn-ea"/>
               </a:rPr>
-              <a:t> </a:t>
-            </a:r>
-            <a:r>
-              <a:rPr lang="" altLang="en-US" sz="2000">
-                <a:sym typeface="+mn-ea"/>
-              </a:rPr>
-              <a:t>(</a:t>
-            </a:r>
-            <a:r>
-              <a:rPr lang="" altLang="en-US" sz="2000"/>
+              <a:t> (</a:t>
+            </a:r>
+            <a:r>
+              <a:rPr lang="en-US" altLang="en-US" sz="2000"/>
               <a:t>benzohydroxamic-acid)</a:t>
             </a:r>
-            <a:endParaRPr lang="" altLang="en-US" sz="2000"/>
-          </a:p>
-          <a:p>
-            <a:endParaRPr lang="" altLang="en-US" sz="2000"/>
+            <a:endParaRPr lang="en-US" altLang="en-US" sz="2000"/>
+          </a:p>
+          <a:p>
+            <a:endParaRPr lang="en-US" altLang="en-US" sz="2000"/>
           </a:p>
           <a:p>
             <a:r>
               <a:rPr lang="en-US" altLang="en-US" sz="2000">
                 <a:sym typeface="+mn-ea"/>
               </a:rPr>
-              <a:t>Corr- pearson </a:t>
-            </a:r>
-            <a:r>
-              <a:rPr lang="" altLang="en-US" sz="2000">
+              <a:t>Corr- pearson less than 0,2:  Anti-tumoral </a:t>
+            </a:r>
+            <a:r>
+              <a:rPr lang="en-US" altLang="en-US" sz="2000" b="1">
                 <a:sym typeface="+mn-ea"/>
               </a:rPr>
-              <a:t>less than </a:t>
+              <a:t>Topo1 inhibitor</a:t>
             </a:r>
             <a:r>
               <a:rPr lang="en-US" altLang="en-US" sz="2000">
                 <a:sym typeface="+mn-ea"/>
               </a:rPr>
-              <a:t>0,2:  </a:t>
-            </a:r>
-            <a:r>
-              <a:rPr lang="" altLang="en-US" sz="2000">
-                <a:sym typeface="+mn-ea"/>
-              </a:rPr>
-              <a:t>Anti-tumoral </a:t>
-            </a:r>
-            <a:r>
-              <a:rPr lang="" altLang="en-US" sz="2000" b="1">
-                <a:sym typeface="+mn-ea"/>
-              </a:rPr>
-              <a:t>Topo1 inhibitor</a:t>
-            </a:r>
-            <a:r>
-              <a:rPr lang="" altLang="en-US" sz="2000">
-                <a:sym typeface="+mn-ea"/>
-              </a:rPr>
               <a:t> (irinotecan), </a:t>
             </a:r>
             <a:r>
               <a:rPr lang="en-US" altLang="en-US" sz="2000" b="1">
                 <a:sym typeface="+mn-ea"/>
               </a:rPr>
-              <a:t>Topo</a:t>
-            </a:r>
-            <a:r>
-              <a:rPr lang="" altLang="en-US" sz="2000" b="1">
+              <a:t>Topo2 inhibitor</a:t>
+            </a:r>
+            <a:r>
+              <a:rPr lang="en-US" altLang="en-US" sz="2000">
                 <a:sym typeface="+mn-ea"/>
               </a:rPr>
-              <a:t>2</a:t>
+              <a:t> (doxorubicin), </a:t>
             </a:r>
             <a:r>
               <a:rPr lang="en-US" altLang="en-US" sz="2000" b="1">
                 <a:sym typeface="+mn-ea"/>
               </a:rPr>
-              <a:t> inhibitor</a:t>
+              <a:t>adipogenesis inhibitor</a:t>
             </a:r>
             <a:r>
               <a:rPr lang="en-US" altLang="en-US" sz="2000">
                 <a:sym typeface="+mn-ea"/>
               </a:rPr>
-              <a:t> </a:t>
-            </a:r>
-            <a:r>
-              <a:rPr lang="" altLang="en-US" sz="2000">
-                <a:sym typeface="+mn-ea"/>
-              </a:rPr>
-              <a:t>(doxorubicin), </a:t>
-            </a:r>
-            <a:r>
-              <a:rPr lang="" altLang="en-US" sz="2000" b="1">
-                <a:sym typeface="+mn-ea"/>
-              </a:rPr>
-              <a:t>adipogenesis inhibitor</a:t>
-            </a:r>
-            <a:r>
-              <a:rPr lang="" altLang="en-US" sz="2000">
-                <a:sym typeface="+mn-ea"/>
-              </a:rPr>
               <a:t> (piceatannol), </a:t>
             </a:r>
             <a:r>
-              <a:rPr lang="" altLang="en-US" sz="2000" b="1">
+              <a:rPr lang="en-US" altLang="en-US" sz="2000" b="1">
                 <a:sym typeface="+mn-ea"/>
               </a:rPr>
               <a:t>hedgehog mod </a:t>
             </a:r>
             <a:r>
-              <a:rPr lang="" altLang="en-US" sz="2000">
+              <a:rPr lang="en-US" altLang="en-US" sz="2000">
                 <a:sym typeface="+mn-ea"/>
               </a:rPr>
               <a:t>(MW-SHH-54) and </a:t>
             </a:r>
             <a:r>
-              <a:rPr lang="" altLang="en-US" sz="2000" b="1">
+              <a:rPr lang="en-US" altLang="en-US" sz="2000" b="1">
                 <a:sym typeface="+mn-ea"/>
               </a:rPr>
               <a:t>alkaloids</a:t>
             </a:r>
             <a:r>
-              <a:rPr lang="" altLang="en-US" sz="2000">
+              <a:rPr lang="en-US" altLang="en-US" sz="2000">
                 <a:sym typeface="+mn-ea"/>
               </a:rPr>
               <a:t> (avrainvillamide-analog-2) </a:t>
             </a:r>
-            <a:endParaRPr lang="" altLang="en-US" sz="2000">
+            <a:endParaRPr lang="en-US" altLang="en-US" sz="2000">
               <a:sym typeface="+mn-ea"/>
             </a:endParaRPr>
           </a:p>
@@ -7185,13 +7057,20 @@
         </p:nvSpPr>
         <p:spPr/>
         <p:txBody>
-          <a:bodyPr/>
-          <a:p>
-            <a:r>
-              <a:rPr lang="" altLang="en-US" b="1"/>
-              <a:t>Compare to clue.io </a:t>
-            </a:r>
-            <a:endParaRPr lang="" altLang="en-US" b="1"/>
+          <a:bodyPr>
+            <a:normAutofit/>
+          </a:bodyPr>
+          <a:p>
+            <a:r>
+              <a:rPr lang="en-US" altLang="en-US" sz="3600" b="1">
+                <a:sym typeface="+mn-ea"/>
+              </a:rPr>
+              <a:t>Sample correlation (no DMSO /plate correction)</a:t>
+            </a:r>
+            <a:br>
+              <a:rPr lang="en-US" altLang="en-US" b="1"/>
+            </a:br>
+            <a:endParaRPr lang="en-US"/>
           </a:p>
         </p:txBody>
       </p:sp>
@@ -7207,18 +7086,207 @@
         </p:nvSpPr>
         <p:spPr>
           <a:xfrm>
-            <a:off x="838200" y="1441450"/>
-            <a:ext cx="10515600" cy="4351338"/>
-          </a:xfrm>
-        </p:spPr>
-        <p:txBody>
-          <a:bodyPr/>
-          <a:p>
-            <a:r>
-              <a:rPr lang="" altLang="en-US" sz="1800"/>
-              <a:t>The website reveals that some HDACi are affecting Tgfa in all cells. (not the one we got, but still!)</a:t>
-            </a:r>
-            <a:endParaRPr lang="" altLang="en-US" sz="1800"/>
+            <a:off x="838200" y="1825625"/>
+            <a:ext cx="4584700" cy="4351655"/>
+          </a:xfrm>
+        </p:spPr>
+        <p:txBody>
+          <a:bodyPr>
+            <a:normAutofit fontScale="50000"/>
+          </a:bodyPr>
+          <a:p>
+            <a:r>
+              <a:rPr lang="en-US" altLang="en-US">
+                <a:sym typeface="+mn-ea"/>
+              </a:rPr>
+              <a:t>Corr- pearson over 0,18:  </a:t>
+            </a:r>
+            <a:r>
+              <a:rPr lang="en-US" altLang="en-US" b="1">
+                <a:sym typeface="+mn-ea"/>
+              </a:rPr>
+              <a:t>p38 inhibitor </a:t>
+            </a:r>
+            <a:r>
+              <a:rPr lang="en-US" altLang="en-US">
+                <a:sym typeface="+mn-ea"/>
+              </a:rPr>
+              <a:t>(EO-1428), </a:t>
+            </a:r>
+            <a:r>
+              <a:rPr lang="en-US" altLang="en-US" b="1">
+                <a:sym typeface="+mn-ea"/>
+              </a:rPr>
+              <a:t>alkaloids</a:t>
+            </a:r>
+            <a:r>
+              <a:rPr lang="en-US" altLang="en-US">
+                <a:sym typeface="+mn-ea"/>
+              </a:rPr>
+              <a:t>(homoharringtonine), </a:t>
+            </a:r>
+            <a:r>
+              <a:rPr lang="en-US" altLang="en-US" b="1">
+                <a:sym typeface="+mn-ea"/>
+              </a:rPr>
+              <a:t>HDAC inhibitors</a:t>
+            </a:r>
+            <a:r>
+              <a:rPr lang="en-US" altLang="en-US">
+                <a:sym typeface="+mn-ea"/>
+              </a:rPr>
+              <a:t> (trichostatin-a, panobinostat), </a:t>
+            </a:r>
+            <a:r>
+              <a:rPr lang="en-US" altLang="en-US" b="1">
+                <a:sym typeface="+mn-ea"/>
+              </a:rPr>
+              <a:t>apoptotic agent</a:t>
+            </a:r>
+            <a:r>
+              <a:rPr lang="en-US" altLang="en-US">
+                <a:sym typeface="+mn-ea"/>
+              </a:rPr>
+              <a:t> (PAC-1), </a:t>
+            </a:r>
+            <a:r>
+              <a:rPr lang="en-US" altLang="en-US" b="1">
+                <a:sym typeface="+mn-ea"/>
+              </a:rPr>
+              <a:t>cholonirgic inhibitors </a:t>
+            </a:r>
+            <a:r>
+              <a:rPr lang="en-US" altLang="en-US">
+                <a:sym typeface="+mn-ea"/>
+              </a:rPr>
+              <a:t>(ipratropium, naltriben) and </a:t>
+            </a:r>
+            <a:r>
+              <a:rPr lang="en-US" altLang="en-US" b="1">
+                <a:sym typeface="+mn-ea"/>
+              </a:rPr>
+              <a:t>enzyme inhibitor</a:t>
+            </a:r>
+            <a:r>
+              <a:rPr lang="en-US" altLang="en-US">
+                <a:sym typeface="+mn-ea"/>
+              </a:rPr>
+              <a:t> (benzohydroxamic-acid, ICI-63197, MDL-28170 	)</a:t>
+            </a:r>
+            <a:endParaRPr lang="en-US" altLang="en-US"/>
+          </a:p>
+          <a:p>
+            <a:endParaRPr lang="en-US" altLang="en-US"/>
+          </a:p>
+          <a:p>
+            <a:r>
+              <a:rPr lang="en-US" altLang="en-US">
+                <a:sym typeface="+mn-ea"/>
+              </a:rPr>
+              <a:t>Corr- pearson less than 0,2:  Anti-tumoral </a:t>
+            </a:r>
+            <a:r>
+              <a:rPr lang="en-US" altLang="en-US" b="1">
+                <a:sym typeface="+mn-ea"/>
+              </a:rPr>
+              <a:t>Topo1 inhibitor</a:t>
+            </a:r>
+            <a:r>
+              <a:rPr lang="en-US" altLang="en-US">
+                <a:sym typeface="+mn-ea"/>
+              </a:rPr>
+              <a:t> (irinotecan), </a:t>
+            </a:r>
+            <a:r>
+              <a:rPr lang="en-US" altLang="en-US" b="1">
+                <a:sym typeface="+mn-ea"/>
+              </a:rPr>
+              <a:t>Topo2 inhibitor</a:t>
+            </a:r>
+            <a:r>
+              <a:rPr lang="en-US" altLang="en-US">
+                <a:sym typeface="+mn-ea"/>
+              </a:rPr>
+              <a:t> (doxorubicin), </a:t>
+            </a:r>
+            <a:r>
+              <a:rPr lang="en-US" altLang="en-US" b="1">
+                <a:sym typeface="+mn-ea"/>
+              </a:rPr>
+              <a:t>adipogenesis inhibitor</a:t>
+            </a:r>
+            <a:r>
+              <a:rPr lang="en-US" altLang="en-US">
+                <a:sym typeface="+mn-ea"/>
+              </a:rPr>
+              <a:t> (piceatannol), </a:t>
+            </a:r>
+            <a:r>
+              <a:rPr lang="en-US" altLang="en-US" b="1">
+                <a:sym typeface="+mn-ea"/>
+              </a:rPr>
+              <a:t>hedgehog mod </a:t>
+            </a:r>
+            <a:r>
+              <a:rPr lang="en-US" altLang="en-US">
+                <a:sym typeface="+mn-ea"/>
+              </a:rPr>
+              <a:t>(MW-SHH-54) and </a:t>
+            </a:r>
+            <a:r>
+              <a:rPr lang="en-US" altLang="en-US" b="1">
+                <a:sym typeface="+mn-ea"/>
+              </a:rPr>
+              <a:t>alkaloids</a:t>
+            </a:r>
+            <a:r>
+              <a:rPr lang="en-US" altLang="en-US">
+                <a:sym typeface="+mn-ea"/>
+              </a:rPr>
+              <a:t> (avrainvillamide-analog-2). </a:t>
+            </a:r>
+            <a:r>
+              <a:rPr lang="en-US" altLang="en-US" b="1">
+                <a:sym typeface="+mn-ea"/>
+              </a:rPr>
+              <a:t>corticosteroids </a:t>
+            </a:r>
+            <a:r>
+              <a:rPr lang="en-US" altLang="en-US">
+                <a:sym typeface="+mn-ea"/>
+              </a:rPr>
+              <a:t>(clobetasol), </a:t>
+            </a:r>
+            <a:r>
+              <a:rPr lang="en-US" altLang="en-US" b="1">
+                <a:sym typeface="+mn-ea"/>
+              </a:rPr>
+              <a:t>GABAA receptors inhibitor </a:t>
+            </a:r>
+            <a:r>
+              <a:rPr lang="en-US" altLang="en-US">
+                <a:sym typeface="+mn-ea"/>
+              </a:rPr>
+              <a:t>(gabazine), </a:t>
+            </a:r>
+            <a:r>
+              <a:rPr lang="en-US" altLang="en-US" b="1">
+                <a:sym typeface="+mn-ea"/>
+              </a:rPr>
+              <a:t>PINK1 activator</a:t>
+            </a:r>
+            <a:r>
+              <a:rPr lang="en-US" altLang="en-US">
+                <a:sym typeface="+mn-ea"/>
+              </a:rPr>
+              <a:t> (kinetin-riboside)</a:t>
+            </a:r>
+            <a:endParaRPr lang="en-US" altLang="en-US">
+              <a:sym typeface="+mn-ea"/>
+            </a:endParaRPr>
+          </a:p>
+          <a:p>
+            <a:endParaRPr lang="en-US"/>
           </a:p>
         </p:txBody>
       </p:sp>
@@ -7238,8 +7306,8 @@
         </p:blipFill>
         <p:spPr>
           <a:xfrm>
-            <a:off x="1278890" y="1784985"/>
-            <a:ext cx="10781665" cy="5005070"/>
+            <a:off x="7492365" y="2285365"/>
+            <a:ext cx="4718685" cy="4483735"/>
           </a:xfrm>
           <a:prstGeom prst="rect">
             <a:avLst/>
@@ -7271,7 +7339,7 @@
             <a:spLocks noGrp="1"/>
           </p:cNvSpPr>
           <p:nvPr>
-            <p:ph type="ctrTitle"/>
+            <p:ph type="title"/>
           </p:nvPr>
         </p:nvSpPr>
         <p:spPr/>
@@ -7279,8 +7347,99 @@
           <a:bodyPr/>
           <a:p>
             <a:r>
+              <a:rPr lang="en-US" altLang="en-US" b="1"/>
+              <a:t>Compare to clue.io </a:t>
+            </a:r>
+            <a:endParaRPr lang="en-US" altLang="en-US" b="1"/>
+          </a:p>
+        </p:txBody>
+      </p:sp>
+      <p:sp>
+        <p:nvSpPr>
+          <p:cNvPr id="3" name="Content Placeholder 2"/>
+          <p:cNvSpPr>
+            <a:spLocks noGrp="1"/>
+          </p:cNvSpPr>
+          <p:nvPr>
+            <p:ph idx="1"/>
+          </p:nvPr>
+        </p:nvSpPr>
+        <p:spPr>
+          <a:xfrm>
+            <a:off x="838200" y="1441450"/>
+            <a:ext cx="10515600" cy="4351338"/>
+          </a:xfrm>
+        </p:spPr>
+        <p:txBody>
+          <a:bodyPr/>
+          <a:p>
+            <a:r>
+              <a:rPr lang="en-US" altLang="en-US" sz="1800"/>
+              <a:t>The website reveals that some HDACi are affecting Tgfa in all cells. (not the one we got, but still!)</a:t>
+            </a:r>
+            <a:endParaRPr lang="en-US" altLang="en-US" sz="1800"/>
+          </a:p>
+        </p:txBody>
+      </p:sp>
+      <p:pic>
+        <p:nvPicPr>
+          <p:cNvPr id="4" name="Picture 3"/>
+          <p:cNvPicPr>
+            <a:picLocks noChangeAspect="1"/>
+          </p:cNvPicPr>
+          <p:nvPr/>
+        </p:nvPicPr>
+        <p:blipFill>
+          <a:blip r:embed="rId1"/>
+          <a:stretch>
+            <a:fillRect/>
+          </a:stretch>
+        </p:blipFill>
+        <p:spPr>
+          <a:xfrm>
+            <a:off x="1278890" y="1784985"/>
+            <a:ext cx="10781665" cy="5005070"/>
+          </a:xfrm>
+          <a:prstGeom prst="rect">
+            <a:avLst/>
+          </a:prstGeom>
+        </p:spPr>
+      </p:pic>
+    </p:spTree>
+  </p:cSld>
+  <p:clrMapOvr>
+    <a:masterClrMapping/>
+  </p:clrMapOvr>
+</p:sld>
+</file>
+
+<file path=ppt/slides/slide36.xml><?xml version="1.0" encoding="utf-8"?>
+<p:sld xmlns:a="http://schemas.openxmlformats.org/drawingml/2006/main" xmlns:r="http://schemas.openxmlformats.org/officeDocument/2006/relationships" xmlns:p="http://schemas.openxmlformats.org/presentationml/2006/main">
+  <p:cSld>
+    <p:spTree>
+      <p:nvGrpSpPr>
+        <p:cNvPr id="1" name=""/>
+        <p:cNvGrpSpPr/>
+        <p:nvPr/>
+      </p:nvGrpSpPr>
+      <p:grpSpPr/>
+      <p:sp>
+        <p:nvSpPr>
+          <p:cNvPr id="2" name="Title 1"/>
+          <p:cNvSpPr>
+            <a:spLocks noGrp="1"/>
+          </p:cNvSpPr>
+          <p:nvPr>
+            <p:ph type="title"/>
+          </p:nvPr>
+        </p:nvSpPr>
+        <p:spPr/>
+        <p:txBody>
+          <a:bodyPr/>
+          <a:p>
+            <a:r>
               <a:rPr lang="" altLang="en-US"/>
-              <a:t>For now!</a:t>
+              <a:t>When testing the cMAP on the site</a:t>
             </a:r>
             <a:endParaRPr lang="" altLang="en-US"/>
           </a:p>
@@ -7288,22 +7447,348 @@
       </p:sp>
       <p:sp>
         <p:nvSpPr>
-          <p:cNvPr id="4" name="Subtitle 3"/>
-          <p:cNvSpPr>
-            <a:spLocks noGrp="1"/>
-          </p:cNvSpPr>
-          <p:nvPr>
-            <p:ph type="subTitle" idx="1"/>
+          <p:cNvPr id="3" name="Content Placeholder 2"/>
+          <p:cNvSpPr>
+            <a:spLocks noGrp="1"/>
+          </p:cNvSpPr>
+          <p:nvPr>
+            <p:ph idx="1"/>
           </p:nvPr>
         </p:nvSpPr>
         <p:spPr/>
         <p:txBody>
           <a:bodyPr/>
           <a:p>
-            <a:endParaRPr lang="en-US"/>
-          </a:p>
-        </p:txBody>
-      </p:sp>
+            <a:r>
+              <a:rPr lang="" altLang="en-US" sz="2000"/>
+              <a:t>The query accepts only 150 genes upregulates and 150 genes downregulted</a:t>
+            </a:r>
+            <a:endParaRPr lang="" altLang="en-US" sz="2000"/>
+          </a:p>
+          <a:p>
+            <a:endParaRPr lang="" altLang="en-US" sz="2000"/>
+          </a:p>
+          <a:p>
+            <a:r>
+              <a:rPr lang="" altLang="en-US" sz="2000"/>
+              <a:t>Compares treatment with DMSO (total!)</a:t>
+            </a:r>
+            <a:endParaRPr lang="" altLang="en-US" sz="2000"/>
+          </a:p>
+          <a:p>
+            <a:endParaRPr lang="" altLang="en-US" sz="2000"/>
+          </a:p>
+          <a:p>
+            <a:r>
+              <a:rPr lang="" altLang="en-US" sz="2000"/>
+              <a:t>Different for each cell-line</a:t>
+            </a:r>
+            <a:endParaRPr lang="" altLang="en-US" sz="2000"/>
+          </a:p>
+          <a:p>
+            <a:r>
+              <a:rPr lang="" altLang="en-US" sz="2000"/>
+              <a:t>Different from the analysis I did</a:t>
+            </a:r>
+            <a:endParaRPr lang="" altLang="en-US" sz="2000"/>
+          </a:p>
+        </p:txBody>
+      </p:sp>
+    </p:spTree>
+  </p:cSld>
+  <p:clrMapOvr>
+    <a:masterClrMapping/>
+  </p:clrMapOvr>
+</p:sld>
+</file>
+
+<file path=ppt/slides/slide37.xml><?xml version="1.0" encoding="utf-8"?>
+<p:sld xmlns:a="http://schemas.openxmlformats.org/drawingml/2006/main" xmlns:r="http://schemas.openxmlformats.org/officeDocument/2006/relationships" xmlns:p="http://schemas.openxmlformats.org/presentationml/2006/main">
+  <p:cSld>
+    <p:spTree>
+      <p:nvGrpSpPr>
+        <p:cNvPr id="1" name=""/>
+        <p:cNvGrpSpPr/>
+        <p:nvPr/>
+      </p:nvGrpSpPr>
+      <p:grpSpPr/>
+      <p:sp>
+        <p:nvSpPr>
+          <p:cNvPr id="2" name="Title 1"/>
+          <p:cNvSpPr>
+            <a:spLocks noGrp="1"/>
+          </p:cNvSpPr>
+          <p:nvPr>
+            <p:ph type="title"/>
+          </p:nvPr>
+        </p:nvSpPr>
+        <p:spPr/>
+        <p:txBody>
+          <a:bodyPr/>
+          <a:p>
+            <a:r>
+              <a:rPr lang="en-US" altLang="en-US" b="1"/>
+              <a:t>Compare to clue.io </a:t>
+            </a:r>
+            <a:endParaRPr lang="en-US" altLang="en-US" b="1"/>
+          </a:p>
+        </p:txBody>
+      </p:sp>
+      <p:sp>
+        <p:nvSpPr>
+          <p:cNvPr id="3" name="Content Placeholder 2"/>
+          <p:cNvSpPr>
+            <a:spLocks noGrp="1"/>
+          </p:cNvSpPr>
+          <p:nvPr>
+            <p:ph idx="1"/>
+          </p:nvPr>
+        </p:nvSpPr>
+        <p:spPr>
+          <a:xfrm>
+            <a:off x="16510" y="1484630"/>
+            <a:ext cx="3092450" cy="4351655"/>
+          </a:xfrm>
+        </p:spPr>
+        <p:txBody>
+          <a:bodyPr/>
+          <a:p>
+            <a:r>
+              <a:rPr lang="" altLang="en-US" sz="1800"/>
+              <a:t>Top 150 downregulated genes and top 100 upregulted genes from mouse experiment were submitted throught the website </a:t>
+            </a:r>
+            <a:r>
+              <a:rPr lang="" altLang="en-US" sz="1800">
+                <a:solidFill>
+                  <a:srgbClr val="0070C0"/>
+                </a:solidFill>
+              </a:rPr>
+              <a:t>https://clue.io/query</a:t>
+            </a:r>
+            <a:endParaRPr lang="" altLang="en-US" sz="1800"/>
+          </a:p>
+          <a:p>
+            <a:r>
+              <a:rPr lang="" altLang="en-US" sz="1800"/>
+              <a:t>With HA1E</a:t>
+            </a:r>
+            <a:endParaRPr lang="" altLang="en-US" sz="1800"/>
+          </a:p>
+        </p:txBody>
+      </p:sp>
+      <p:pic>
+        <p:nvPicPr>
+          <p:cNvPr id="5" name="Picture 4"/>
+          <p:cNvPicPr>
+            <a:picLocks noChangeAspect="1"/>
+          </p:cNvPicPr>
+          <p:nvPr/>
+        </p:nvPicPr>
+        <p:blipFill>
+          <a:blip r:embed="rId1"/>
+          <a:stretch>
+            <a:fillRect/>
+          </a:stretch>
+        </p:blipFill>
+        <p:spPr>
+          <a:xfrm>
+            <a:off x="3322955" y="1309370"/>
+            <a:ext cx="9876155" cy="5533390"/>
+          </a:xfrm>
+          <a:prstGeom prst="rect">
+            <a:avLst/>
+          </a:prstGeom>
+        </p:spPr>
+      </p:pic>
+    </p:spTree>
+  </p:cSld>
+  <p:clrMapOvr>
+    <a:masterClrMapping/>
+  </p:clrMapOvr>
+</p:sld>
+</file>
+
+<file path=ppt/slides/slide38.xml><?xml version="1.0" encoding="utf-8"?>
+<p:sld xmlns:a="http://schemas.openxmlformats.org/drawingml/2006/main" xmlns:r="http://schemas.openxmlformats.org/officeDocument/2006/relationships" xmlns:p="http://schemas.openxmlformats.org/presentationml/2006/main">
+  <p:cSld>
+    <p:spTree>
+      <p:nvGrpSpPr>
+        <p:cNvPr id="1" name=""/>
+        <p:cNvGrpSpPr/>
+        <p:nvPr/>
+      </p:nvGrpSpPr>
+      <p:grpSpPr/>
+      <p:pic>
+        <p:nvPicPr>
+          <p:cNvPr id="4" name="Picture 3"/>
+          <p:cNvPicPr>
+            <a:picLocks noChangeAspect="1"/>
+          </p:cNvPicPr>
+          <p:nvPr/>
+        </p:nvPicPr>
+        <p:blipFill>
+          <a:blip r:embed="rId1"/>
+          <a:stretch>
+            <a:fillRect/>
+          </a:stretch>
+        </p:blipFill>
+        <p:spPr>
+          <a:xfrm>
+            <a:off x="3451860" y="859155"/>
+            <a:ext cx="14228445" cy="5971540"/>
+          </a:xfrm>
+          <a:prstGeom prst="rect">
+            <a:avLst/>
+          </a:prstGeom>
+        </p:spPr>
+      </p:pic>
+      <p:sp>
+        <p:nvSpPr>
+          <p:cNvPr id="2" name="Title 1"/>
+          <p:cNvSpPr>
+            <a:spLocks noGrp="1"/>
+          </p:cNvSpPr>
+          <p:nvPr>
+            <p:ph type="title"/>
+          </p:nvPr>
+        </p:nvSpPr>
+        <p:spPr/>
+        <p:txBody>
+          <a:bodyPr/>
+          <a:p>
+            <a:r>
+              <a:rPr lang="en-US" altLang="en-US" b="1"/>
+              <a:t>Compare to clue.io </a:t>
+            </a:r>
+            <a:endParaRPr lang="en-US" altLang="en-US" b="1"/>
+          </a:p>
+        </p:txBody>
+      </p:sp>
+      <p:sp>
+        <p:nvSpPr>
+          <p:cNvPr id="3" name="Content Placeholder 2"/>
+          <p:cNvSpPr>
+            <a:spLocks noGrp="1"/>
+          </p:cNvSpPr>
+          <p:nvPr>
+            <p:ph idx="1"/>
+          </p:nvPr>
+        </p:nvSpPr>
+        <p:spPr>
+          <a:xfrm>
+            <a:off x="16510" y="1484630"/>
+            <a:ext cx="3092450" cy="4351655"/>
+          </a:xfrm>
+        </p:spPr>
+        <p:txBody>
+          <a:bodyPr/>
+          <a:p>
+            <a:r>
+              <a:rPr lang="en-US" altLang="en-US" sz="1800"/>
+              <a:t>Top 150 downregulated genes and top 100 upregulted genes from mouse experiment were submitted throught the website https://clue.io/query</a:t>
+            </a:r>
+            <a:endParaRPr lang="en-US" altLang="en-US" sz="1800"/>
+          </a:p>
+          <a:p>
+            <a:r>
+              <a:rPr lang="en-US" altLang="en-US" sz="1800"/>
+              <a:t>With HA1E</a:t>
+            </a:r>
+            <a:endParaRPr lang="en-US" altLang="en-US" sz="1800"/>
+          </a:p>
+        </p:txBody>
+      </p:sp>
+    </p:spTree>
+  </p:cSld>
+  <p:clrMapOvr>
+    <a:masterClrMapping/>
+  </p:clrMapOvr>
+</p:sld>
+</file>
+
+<file path=ppt/slides/slide39.xml><?xml version="1.0" encoding="utf-8"?>
+<p:sld xmlns:a="http://schemas.openxmlformats.org/drawingml/2006/main" xmlns:r="http://schemas.openxmlformats.org/officeDocument/2006/relationships" xmlns:p="http://schemas.openxmlformats.org/presentationml/2006/main">
+  <p:cSld>
+    <p:spTree>
+      <p:nvGrpSpPr>
+        <p:cNvPr id="1" name=""/>
+        <p:cNvGrpSpPr/>
+        <p:nvPr/>
+      </p:nvGrpSpPr>
+      <p:grpSpPr/>
+      <p:sp>
+        <p:nvSpPr>
+          <p:cNvPr id="2" name="Title 1"/>
+          <p:cNvSpPr>
+            <a:spLocks noGrp="1"/>
+          </p:cNvSpPr>
+          <p:nvPr>
+            <p:ph type="title"/>
+          </p:nvPr>
+        </p:nvSpPr>
+        <p:spPr/>
+        <p:txBody>
+          <a:bodyPr/>
+          <a:p>
+            <a:r>
+              <a:rPr lang="en-US" altLang="en-US" b="1"/>
+              <a:t>Compare to clue.io </a:t>
+            </a:r>
+            <a:endParaRPr lang="en-US" altLang="en-US" b="1"/>
+          </a:p>
+        </p:txBody>
+      </p:sp>
+      <p:sp>
+        <p:nvSpPr>
+          <p:cNvPr id="3" name="Content Placeholder 2"/>
+          <p:cNvSpPr>
+            <a:spLocks noGrp="1"/>
+          </p:cNvSpPr>
+          <p:nvPr>
+            <p:ph idx="1"/>
+          </p:nvPr>
+        </p:nvSpPr>
+        <p:spPr>
+          <a:xfrm>
+            <a:off x="16510" y="1484630"/>
+            <a:ext cx="3092450" cy="4351655"/>
+          </a:xfrm>
+        </p:spPr>
+        <p:txBody>
+          <a:bodyPr/>
+          <a:p>
+            <a:r>
+              <a:rPr lang="" altLang="en-US" sz="1800"/>
+              <a:t>In HEPG2</a:t>
+            </a:r>
+            <a:endParaRPr lang="" altLang="en-US" sz="1800"/>
+          </a:p>
+        </p:txBody>
+      </p:sp>
+      <p:pic>
+        <p:nvPicPr>
+          <p:cNvPr id="6" name="Picture 5"/>
+          <p:cNvPicPr>
+            <a:picLocks noChangeAspect="1"/>
+          </p:cNvPicPr>
+          <p:nvPr/>
+        </p:nvPicPr>
+        <p:blipFill>
+          <a:blip r:embed="rId1"/>
+          <a:stretch>
+            <a:fillRect/>
+          </a:stretch>
+        </p:blipFill>
+        <p:spPr>
+          <a:xfrm>
+            <a:off x="1880870" y="1356360"/>
+            <a:ext cx="12333605" cy="5447665"/>
+          </a:xfrm>
+          <a:prstGeom prst="rect">
+            <a:avLst/>
+          </a:prstGeom>
+        </p:spPr>
+      </p:pic>
     </p:spTree>
   </p:cSld>
   <p:clrMapOvr>
@@ -7712,25 +8197,174 @@
           </a:bodyPr>
           <a:p>
             <a:r>
-              <a:rPr lang="" altLang="en-US"/>
+              <a:rPr lang="en-US" altLang="en-US"/>
               <a:t>Nx is the biggest factor of change</a:t>
             </a:r>
-            <a:endParaRPr lang="" altLang="en-US"/>
-          </a:p>
-          <a:p>
-            <a:r>
-              <a:rPr lang="" altLang="en-US">
+            <a:endParaRPr lang="en-US" altLang="en-US"/>
+          </a:p>
+          <a:p>
+            <a:r>
+              <a:rPr lang="en-US" altLang="en-US">
                 <a:solidFill>
                   <a:srgbClr val="FF0000"/>
                 </a:solidFill>
               </a:rPr>
               <a:t>*condition is misstyped as species!</a:t>
             </a:r>
-            <a:endParaRPr lang="" altLang="en-US">
+            <a:endParaRPr lang="en-US" altLang="en-US">
               <a:solidFill>
                 <a:srgbClr val="FF0000"/>
               </a:solidFill>
             </a:endParaRPr>
+          </a:p>
+        </p:txBody>
+      </p:sp>
+    </p:spTree>
+  </p:cSld>
+  <p:clrMapOvr>
+    <a:masterClrMapping/>
+  </p:clrMapOvr>
+</p:sld>
+</file>
+
+<file path=ppt/slides/slide40.xml><?xml version="1.0" encoding="utf-8"?>
+<p:sld xmlns:a="http://schemas.openxmlformats.org/drawingml/2006/main" xmlns:r="http://schemas.openxmlformats.org/officeDocument/2006/relationships" xmlns:p="http://schemas.openxmlformats.org/presentationml/2006/main">
+  <p:cSld>
+    <p:spTree>
+      <p:nvGrpSpPr>
+        <p:cNvPr id="1" name=""/>
+        <p:cNvGrpSpPr/>
+        <p:nvPr/>
+      </p:nvGrpSpPr>
+      <p:grpSpPr/>
+      <p:sp>
+        <p:nvSpPr>
+          <p:cNvPr id="2" name="Title 1"/>
+          <p:cNvSpPr>
+            <a:spLocks noGrp="1"/>
+          </p:cNvSpPr>
+          <p:nvPr>
+            <p:ph type="title"/>
+          </p:nvPr>
+        </p:nvSpPr>
+        <p:spPr/>
+        <p:txBody>
+          <a:bodyPr/>
+          <a:p>
+            <a:r>
+              <a:rPr lang="en-US" altLang="en-US" b="1"/>
+              <a:t>Compare to clue.io </a:t>
+            </a:r>
+            <a:endParaRPr lang="en-US" altLang="en-US" b="1"/>
+          </a:p>
+        </p:txBody>
+      </p:sp>
+      <p:sp>
+        <p:nvSpPr>
+          <p:cNvPr id="3" name="Content Placeholder 2"/>
+          <p:cNvSpPr>
+            <a:spLocks noGrp="1"/>
+          </p:cNvSpPr>
+          <p:nvPr>
+            <p:ph idx="1"/>
+          </p:nvPr>
+        </p:nvSpPr>
+        <p:spPr>
+          <a:xfrm>
+            <a:off x="16510" y="1484630"/>
+            <a:ext cx="3092450" cy="4351655"/>
+          </a:xfrm>
+        </p:spPr>
+        <p:txBody>
+          <a:bodyPr/>
+          <a:p>
+            <a:r>
+              <a:rPr lang="en-US" altLang="en-US" sz="1800"/>
+              <a:t>In HEPG2</a:t>
+            </a:r>
+            <a:endParaRPr lang="en-US" altLang="en-US" sz="1800"/>
+          </a:p>
+        </p:txBody>
+      </p:sp>
+      <p:pic>
+        <p:nvPicPr>
+          <p:cNvPr id="5" name="Picture 4"/>
+          <p:cNvPicPr>
+            <a:picLocks noChangeAspect="1"/>
+          </p:cNvPicPr>
+          <p:nvPr/>
+        </p:nvPicPr>
+        <p:blipFill>
+          <a:blip r:embed="rId1"/>
+          <a:stretch>
+            <a:fillRect/>
+          </a:stretch>
+        </p:blipFill>
+        <p:spPr>
+          <a:xfrm>
+            <a:off x="1849755" y="3197225"/>
+            <a:ext cx="13761720" cy="3599815"/>
+          </a:xfrm>
+          <a:prstGeom prst="rect">
+            <a:avLst/>
+          </a:prstGeom>
+        </p:spPr>
+      </p:pic>
+    </p:spTree>
+  </p:cSld>
+  <p:clrMapOvr>
+    <a:masterClrMapping/>
+  </p:clrMapOvr>
+</p:sld>
+</file>
+
+<file path=ppt/slides/slide41.xml><?xml version="1.0" encoding="utf-8"?>
+<p:sld xmlns:a="http://schemas.openxmlformats.org/drawingml/2006/main" xmlns:r="http://schemas.openxmlformats.org/officeDocument/2006/relationships" xmlns:p="http://schemas.openxmlformats.org/presentationml/2006/main">
+  <p:cSld>
+    <p:spTree>
+      <p:nvGrpSpPr>
+        <p:cNvPr id="1" name=""/>
+        <p:cNvGrpSpPr/>
+        <p:nvPr/>
+      </p:nvGrpSpPr>
+      <p:grpSpPr/>
+      <p:sp>
+        <p:nvSpPr>
+          <p:cNvPr id="2" name="Title 1"/>
+          <p:cNvSpPr>
+            <a:spLocks noGrp="1"/>
+          </p:cNvSpPr>
+          <p:nvPr>
+            <p:ph type="ctrTitle"/>
+          </p:nvPr>
+        </p:nvSpPr>
+        <p:spPr/>
+        <p:txBody>
+          <a:bodyPr/>
+          <a:p>
+            <a:r>
+              <a:rPr lang="en-US" altLang="en-US"/>
+              <a:t>For now!</a:t>
+            </a:r>
+            <a:endParaRPr lang="en-US" altLang="en-US"/>
+          </a:p>
+        </p:txBody>
+      </p:sp>
+      <p:sp>
+        <p:nvSpPr>
+          <p:cNvPr id="4" name="Subtitle 3"/>
+          <p:cNvSpPr>
+            <a:spLocks noGrp="1"/>
+          </p:cNvSpPr>
+          <p:nvPr>
+            <p:ph type="subTitle" idx="1"/>
+          </p:nvPr>
+        </p:nvSpPr>
+        <p:spPr/>
+        <p:txBody>
+          <a:bodyPr/>
+          <a:p>
+            <a:endParaRPr lang="en-US"/>
           </a:p>
         </p:txBody>
       </p:sp>
@@ -7822,17 +8456,17 @@
           </a:bodyPr>
           <a:p>
             <a:r>
-              <a:rPr lang="" altLang="en-US" sz="1400"/>
+              <a:rPr lang="en-US" altLang="en-US" sz="1400"/>
               <a:t>-Tgfa differ a little from Egf</a:t>
             </a:r>
-            <a:endParaRPr lang="" altLang="en-US" sz="1400"/>
-          </a:p>
-          <a:p>
-            <a:r>
-              <a:rPr lang="" altLang="en-US" sz="1400"/>
+            <a:endParaRPr lang="en-US" altLang="en-US" sz="1400"/>
+          </a:p>
+          <a:p>
+            <a:r>
+              <a:rPr lang="en-US" altLang="en-US" sz="1400"/>
               <a:t>-Egf mut differ from p</a:t>
             </a:r>
-            <a:endParaRPr lang="" altLang="en-US" sz="1400"/>
+            <a:endParaRPr lang="en-US" altLang="en-US" sz="1400"/>
           </a:p>
         </p:txBody>
       </p:sp>

--- a/cMAP_stats.pptx
+++ b/cMAP_stats.pptx
@@ -5,10 +5,10 @@
     <p:sldMasterId id="2147483648" r:id="rId1"/>
   </p:sldMasterIdLst>
   <p:notesMasterIdLst>
-    <p:notesMasterId r:id="rId44"/>
+    <p:notesMasterId r:id="rId46"/>
   </p:notesMasterIdLst>
   <p:handoutMasterIdLst>
-    <p:handoutMasterId r:id="rId45"/>
+    <p:handoutMasterId r:id="rId47"/>
   </p:handoutMasterIdLst>
   <p:sldIdLst>
     <p:sldId id="256" r:id="rId3"/>
@@ -49,9 +49,11 @@
     <p:sldId id="322" r:id="rId38"/>
     <p:sldId id="318" r:id="rId39"/>
     <p:sldId id="319" r:id="rId40"/>
-    <p:sldId id="320" r:id="rId41"/>
-    <p:sldId id="321" r:id="rId42"/>
-    <p:sldId id="299" r:id="rId43"/>
+    <p:sldId id="328" r:id="rId41"/>
+    <p:sldId id="329" r:id="rId42"/>
+    <p:sldId id="330" r:id="rId43"/>
+    <p:sldId id="331" r:id="rId44"/>
+    <p:sldId id="299" r:id="rId45"/>
   </p:sldIdLst>
   <p:sldSz cx="12192000" cy="6858000"/>
   <p:notesSz cx="7103745" cy="10234295"/>
@@ -5354,7 +5356,7 @@
               <a:buNone/>
             </a:pPr>
             <a:r>
-              <a:rPr lang="" altLang="en-US" sz="1800">
+              <a:rPr lang="en-US" altLang="en-US" sz="1800">
                 <a:sym typeface="+mn-ea"/>
               </a:rPr>
               <a:t>(max 150 genes *2)</a:t>
@@ -7438,10 +7440,10 @@
           <a:bodyPr/>
           <a:p>
             <a:r>
-              <a:rPr lang="" altLang="en-US"/>
+              <a:rPr lang="en-US" altLang="en-US"/>
               <a:t>When testing the cMAP on the site</a:t>
             </a:r>
-            <a:endParaRPr lang="" altLang="en-US"/>
+            <a:endParaRPr lang="en-US" altLang="en-US"/>
           </a:p>
         </p:txBody>
       </p:sp>
@@ -7460,37 +7462,37 @@
           <a:bodyPr/>
           <a:p>
             <a:r>
-              <a:rPr lang="" altLang="en-US" sz="2000"/>
+              <a:rPr lang="en-US" altLang="en-US" sz="2000"/>
               <a:t>The query accepts only 150 genes upregulates and 150 genes downregulted</a:t>
             </a:r>
-            <a:endParaRPr lang="" altLang="en-US" sz="2000"/>
-          </a:p>
-          <a:p>
-            <a:endParaRPr lang="" altLang="en-US" sz="2000"/>
-          </a:p>
-          <a:p>
-            <a:r>
-              <a:rPr lang="" altLang="en-US" sz="2000"/>
+            <a:endParaRPr lang="en-US" altLang="en-US" sz="2000"/>
+          </a:p>
+          <a:p>
+            <a:endParaRPr lang="en-US" altLang="en-US" sz="2000"/>
+          </a:p>
+          <a:p>
+            <a:r>
+              <a:rPr lang="en-US" altLang="en-US" sz="2000"/>
               <a:t>Compares treatment with DMSO (total!)</a:t>
             </a:r>
-            <a:endParaRPr lang="" altLang="en-US" sz="2000"/>
-          </a:p>
-          <a:p>
-            <a:endParaRPr lang="" altLang="en-US" sz="2000"/>
-          </a:p>
-          <a:p>
-            <a:r>
-              <a:rPr lang="" altLang="en-US" sz="2000"/>
+            <a:endParaRPr lang="en-US" altLang="en-US" sz="2000"/>
+          </a:p>
+          <a:p>
+            <a:endParaRPr lang="en-US" altLang="en-US" sz="2000"/>
+          </a:p>
+          <a:p>
+            <a:r>
+              <a:rPr lang="en-US" altLang="en-US" sz="2000"/>
               <a:t>Different for each cell-line</a:t>
             </a:r>
-            <a:endParaRPr lang="" altLang="en-US" sz="2000"/>
-          </a:p>
-          <a:p>
-            <a:r>
-              <a:rPr lang="" altLang="en-US" sz="2000"/>
+            <a:endParaRPr lang="en-US" altLang="en-US" sz="2000"/>
+          </a:p>
+          <a:p>
+            <a:r>
+              <a:rPr lang="en-US" altLang="en-US" sz="2000"/>
               <a:t>Different from the analysis I did</a:t>
             </a:r>
-            <a:endParaRPr lang="" altLang="en-US" sz="2000"/>
+            <a:endParaRPr lang="en-US" altLang="en-US" sz="2000"/>
           </a:p>
         </p:txBody>
       </p:sp>
@@ -7503,112 +7505,6 @@
 </file>
 
 <file path=ppt/slides/slide37.xml><?xml version="1.0" encoding="utf-8"?>
-<p:sld xmlns:a="http://schemas.openxmlformats.org/drawingml/2006/main" xmlns:r="http://schemas.openxmlformats.org/officeDocument/2006/relationships" xmlns:p="http://schemas.openxmlformats.org/presentationml/2006/main">
-  <p:cSld>
-    <p:spTree>
-      <p:nvGrpSpPr>
-        <p:cNvPr id="1" name=""/>
-        <p:cNvGrpSpPr/>
-        <p:nvPr/>
-      </p:nvGrpSpPr>
-      <p:grpSpPr/>
-      <p:sp>
-        <p:nvSpPr>
-          <p:cNvPr id="2" name="Title 1"/>
-          <p:cNvSpPr>
-            <a:spLocks noGrp="1"/>
-          </p:cNvSpPr>
-          <p:nvPr>
-            <p:ph type="title"/>
-          </p:nvPr>
-        </p:nvSpPr>
-        <p:spPr/>
-        <p:txBody>
-          <a:bodyPr/>
-          <a:p>
-            <a:r>
-              <a:rPr lang="en-US" altLang="en-US" b="1"/>
-              <a:t>Compare to clue.io </a:t>
-            </a:r>
-            <a:endParaRPr lang="en-US" altLang="en-US" b="1"/>
-          </a:p>
-        </p:txBody>
-      </p:sp>
-      <p:sp>
-        <p:nvSpPr>
-          <p:cNvPr id="3" name="Content Placeholder 2"/>
-          <p:cNvSpPr>
-            <a:spLocks noGrp="1"/>
-          </p:cNvSpPr>
-          <p:nvPr>
-            <p:ph idx="1"/>
-          </p:nvPr>
-        </p:nvSpPr>
-        <p:spPr>
-          <a:xfrm>
-            <a:off x="16510" y="1484630"/>
-            <a:ext cx="3092450" cy="4351655"/>
-          </a:xfrm>
-        </p:spPr>
-        <p:txBody>
-          <a:bodyPr/>
-          <a:p>
-            <a:r>
-              <a:rPr lang="" altLang="en-US" sz="1800"/>
-              <a:t>Top 150 downregulated genes and top 100 upregulted genes from mouse experiment were submitted throught the website </a:t>
-            </a:r>
-            <a:r>
-              <a:rPr lang="" altLang="en-US" sz="1800">
-                <a:solidFill>
-                  <a:srgbClr val="0070C0"/>
-                </a:solidFill>
-              </a:rPr>
-              <a:t>https://clue.io/query</a:t>
-            </a:r>
-            <a:endParaRPr lang="" altLang="en-US" sz="1800"/>
-          </a:p>
-          <a:p>
-            <a:r>
-              <a:rPr lang="" altLang="en-US" sz="1800"/>
-              <a:t>With HA1E</a:t>
-            </a:r>
-            <a:endParaRPr lang="" altLang="en-US" sz="1800"/>
-          </a:p>
-        </p:txBody>
-      </p:sp>
-      <p:pic>
-        <p:nvPicPr>
-          <p:cNvPr id="5" name="Picture 4"/>
-          <p:cNvPicPr>
-            <a:picLocks noChangeAspect="1"/>
-          </p:cNvPicPr>
-          <p:nvPr/>
-        </p:nvPicPr>
-        <p:blipFill>
-          <a:blip r:embed="rId1"/>
-          <a:stretch>
-            <a:fillRect/>
-          </a:stretch>
-        </p:blipFill>
-        <p:spPr>
-          <a:xfrm>
-            <a:off x="3322955" y="1309370"/>
-            <a:ext cx="9876155" cy="5533390"/>
-          </a:xfrm>
-          <a:prstGeom prst="rect">
-            <a:avLst/>
-          </a:prstGeom>
-        </p:spPr>
-      </p:pic>
-    </p:spTree>
-  </p:cSld>
-  <p:clrMapOvr>
-    <a:masterClrMapping/>
-  </p:clrMapOvr>
-</p:sld>
-</file>
-
-<file path=ppt/slides/slide38.xml><?xml version="1.0" encoding="utf-8"?>
 <p:sld xmlns:a="http://schemas.openxmlformats.org/drawingml/2006/main" xmlns:r="http://schemas.openxmlformats.org/officeDocument/2006/relationships" xmlns:p="http://schemas.openxmlformats.org/presentationml/2006/main">
   <p:cSld>
     <p:spTree>
@@ -7634,8 +7530,8 @@
         </p:blipFill>
         <p:spPr>
           <a:xfrm>
-            <a:off x="3451860" y="859155"/>
-            <a:ext cx="14228445" cy="5971540"/>
+            <a:off x="3529965" y="927100"/>
+            <a:ext cx="11914505" cy="6000115"/>
           </a:xfrm>
           <a:prstGeom prst="rect">
             <a:avLst/>
@@ -7685,7 +7581,135 @@
           <a:p>
             <a:r>
               <a:rPr lang="en-US" altLang="en-US" sz="1800"/>
-              <a:t>Top 150 downregulated genes and top 100 upregulted genes from mouse experiment were submitted throught the website https://clue.io/query</a:t>
+              <a:t>Top 150 </a:t>
+            </a:r>
+            <a:r>
+              <a:rPr lang="" altLang="en-US" sz="1800"/>
+              <a:t>down</a:t>
+            </a:r>
+            <a:r>
+              <a:rPr lang="en-US" altLang="en-US" sz="1800"/>
+              <a:t>regulated genes and top 1</a:t>
+            </a:r>
+            <a:r>
+              <a:rPr lang="" altLang="en-US" sz="1800"/>
+              <a:t>5</a:t>
+            </a:r>
+            <a:r>
+              <a:rPr lang="en-US" altLang="en-US" sz="1800"/>
+              <a:t>0 upregulted genes from mouse experiment were submitted throught the website </a:t>
+            </a:r>
+            <a:r>
+              <a:rPr lang="en-US" altLang="en-US" sz="1800">
+                <a:solidFill>
+                  <a:srgbClr val="0070C0"/>
+                </a:solidFill>
+              </a:rPr>
+              <a:t>https://clue.io/query</a:t>
+            </a:r>
+            <a:endParaRPr lang="en-US" altLang="en-US" sz="1800"/>
+          </a:p>
+          <a:p>
+            <a:r>
+              <a:rPr lang="en-US" altLang="en-US" sz="1800"/>
+              <a:t>With HA1E</a:t>
+            </a:r>
+            <a:endParaRPr lang="en-US" altLang="en-US" sz="1800"/>
+          </a:p>
+        </p:txBody>
+      </p:sp>
+    </p:spTree>
+  </p:cSld>
+  <p:clrMapOvr>
+    <a:masterClrMapping/>
+  </p:clrMapOvr>
+</p:sld>
+</file>
+
+<file path=ppt/slides/slide38.xml><?xml version="1.0" encoding="utf-8"?>
+<p:sld xmlns:a="http://schemas.openxmlformats.org/drawingml/2006/main" xmlns:r="http://schemas.openxmlformats.org/officeDocument/2006/relationships" xmlns:p="http://schemas.openxmlformats.org/presentationml/2006/main">
+  <p:cSld>
+    <p:spTree>
+      <p:nvGrpSpPr>
+        <p:cNvPr id="1" name=""/>
+        <p:cNvGrpSpPr/>
+        <p:nvPr/>
+      </p:nvGrpSpPr>
+      <p:grpSpPr/>
+      <p:pic>
+        <p:nvPicPr>
+          <p:cNvPr id="5" name="Picture 4"/>
+          <p:cNvPicPr>
+            <a:picLocks noChangeAspect="1"/>
+          </p:cNvPicPr>
+          <p:nvPr/>
+        </p:nvPicPr>
+        <p:blipFill>
+          <a:blip r:embed="rId1"/>
+          <a:stretch>
+            <a:fillRect/>
+          </a:stretch>
+        </p:blipFill>
+        <p:spPr>
+          <a:xfrm>
+            <a:off x="2623820" y="1073785"/>
+            <a:ext cx="13971270" cy="5781040"/>
+          </a:xfrm>
+          <a:prstGeom prst="rect">
+            <a:avLst/>
+          </a:prstGeom>
+        </p:spPr>
+      </p:pic>
+      <p:sp>
+        <p:nvSpPr>
+          <p:cNvPr id="2" name="Title 1"/>
+          <p:cNvSpPr>
+            <a:spLocks noGrp="1"/>
+          </p:cNvSpPr>
+          <p:nvPr>
+            <p:ph type="title"/>
+          </p:nvPr>
+        </p:nvSpPr>
+        <p:spPr/>
+        <p:txBody>
+          <a:bodyPr/>
+          <a:p>
+            <a:r>
+              <a:rPr lang="en-US" altLang="en-US" b="1"/>
+              <a:t>Compare to clue.io </a:t>
+            </a:r>
+            <a:endParaRPr lang="en-US" altLang="en-US" b="1"/>
+          </a:p>
+        </p:txBody>
+      </p:sp>
+      <p:sp>
+        <p:nvSpPr>
+          <p:cNvPr id="3" name="Content Placeholder 2"/>
+          <p:cNvSpPr>
+            <a:spLocks noGrp="1"/>
+          </p:cNvSpPr>
+          <p:nvPr>
+            <p:ph idx="1"/>
+          </p:nvPr>
+        </p:nvSpPr>
+        <p:spPr>
+          <a:xfrm>
+            <a:off x="16510" y="1484630"/>
+            <a:ext cx="3092450" cy="4351655"/>
+          </a:xfrm>
+        </p:spPr>
+        <p:txBody>
+          <a:bodyPr/>
+          <a:p>
+            <a:r>
+              <a:rPr lang="en-US" altLang="en-US" sz="1800">
+                <a:sym typeface="+mn-ea"/>
+              </a:rPr>
+              <a:t>Top 150 downregulated genes and top 150 upregulted genes from mouse experiment were submitted throught the website </a:t>
+            </a:r>
+            <a:r>
+              <a:rPr lang="en-US" altLang="en-US" sz="1800"/>
+              <a:t>https://clue.io/query</a:t>
             </a:r>
             <a:endParaRPr lang="en-US" altLang="en-US" sz="1800"/>
           </a:p>
@@ -7716,58 +7740,9 @@
         <p:nvPr/>
       </p:nvGrpSpPr>
       <p:grpSpPr/>
-      <p:sp>
-        <p:nvSpPr>
-          <p:cNvPr id="2" name="Title 1"/>
-          <p:cNvSpPr>
-            <a:spLocks noGrp="1"/>
-          </p:cNvSpPr>
-          <p:nvPr>
-            <p:ph type="title"/>
-          </p:nvPr>
-        </p:nvSpPr>
-        <p:spPr/>
-        <p:txBody>
-          <a:bodyPr/>
-          <a:p>
-            <a:r>
-              <a:rPr lang="en-US" altLang="en-US" b="1"/>
-              <a:t>Compare to clue.io </a:t>
-            </a:r>
-            <a:endParaRPr lang="en-US" altLang="en-US" b="1"/>
-          </a:p>
-        </p:txBody>
-      </p:sp>
-      <p:sp>
-        <p:nvSpPr>
-          <p:cNvPr id="3" name="Content Placeholder 2"/>
-          <p:cNvSpPr>
-            <a:spLocks noGrp="1"/>
-          </p:cNvSpPr>
-          <p:nvPr>
-            <p:ph idx="1"/>
-          </p:nvPr>
-        </p:nvSpPr>
-        <p:spPr>
-          <a:xfrm>
-            <a:off x="16510" y="1484630"/>
-            <a:ext cx="3092450" cy="4351655"/>
-          </a:xfrm>
-        </p:spPr>
-        <p:txBody>
-          <a:bodyPr/>
-          <a:p>
-            <a:r>
-              <a:rPr lang="" altLang="en-US" sz="1800"/>
-              <a:t>In HEPG2</a:t>
-            </a:r>
-            <a:endParaRPr lang="" altLang="en-US" sz="1800"/>
-          </a:p>
-        </p:txBody>
-      </p:sp>
       <p:pic>
         <p:nvPicPr>
-          <p:cNvPr id="6" name="Picture 5"/>
+          <p:cNvPr id="4" name="Picture 3"/>
           <p:cNvPicPr>
             <a:picLocks noChangeAspect="1"/>
           </p:cNvPicPr>
@@ -7781,14 +7756,94 @@
         </p:blipFill>
         <p:spPr>
           <a:xfrm>
-            <a:off x="1880870" y="1356360"/>
-            <a:ext cx="12333605" cy="5447665"/>
+            <a:off x="2945130" y="1053465"/>
+            <a:ext cx="12771120" cy="5800090"/>
           </a:xfrm>
           <a:prstGeom prst="rect">
             <a:avLst/>
           </a:prstGeom>
         </p:spPr>
       </p:pic>
+      <p:sp>
+        <p:nvSpPr>
+          <p:cNvPr id="2" name="Title 1"/>
+          <p:cNvSpPr>
+            <a:spLocks noGrp="1"/>
+          </p:cNvSpPr>
+          <p:nvPr>
+            <p:ph type="title"/>
+          </p:nvPr>
+        </p:nvSpPr>
+        <p:spPr/>
+        <p:txBody>
+          <a:bodyPr/>
+          <a:p>
+            <a:r>
+              <a:rPr lang="en-US" altLang="en-US" b="1"/>
+              <a:t>Compare to clue.io </a:t>
+            </a:r>
+            <a:endParaRPr lang="en-US" altLang="en-US" b="1"/>
+          </a:p>
+        </p:txBody>
+      </p:sp>
+      <p:sp>
+        <p:nvSpPr>
+          <p:cNvPr id="3" name="Content Placeholder 2"/>
+          <p:cNvSpPr>
+            <a:spLocks noGrp="1"/>
+          </p:cNvSpPr>
+          <p:nvPr>
+            <p:ph idx="1"/>
+          </p:nvPr>
+        </p:nvSpPr>
+        <p:spPr>
+          <a:xfrm>
+            <a:off x="16510" y="1484630"/>
+            <a:ext cx="3092450" cy="4351655"/>
+          </a:xfrm>
+        </p:spPr>
+        <p:txBody>
+          <a:bodyPr/>
+          <a:p>
+            <a:r>
+              <a:rPr lang="en-US" altLang="en-US" sz="1800"/>
+              <a:t>Top 150</a:t>
+            </a:r>
+            <a:r>
+              <a:rPr lang="" altLang="en-US" sz="1800"/>
+              <a:t>-300</a:t>
+            </a:r>
+            <a:r>
+              <a:rPr lang="en-US" altLang="en-US" sz="1800"/>
+              <a:t> </a:t>
+            </a:r>
+            <a:r>
+              <a:rPr lang="" altLang="en-US" sz="1800"/>
+              <a:t>down</a:t>
+            </a:r>
+            <a:r>
+              <a:rPr lang="en-US" altLang="en-US" sz="1800"/>
+              <a:t>regulated genes and top 1</a:t>
+            </a:r>
+            <a:r>
+              <a:rPr lang="" altLang="en-US" sz="1800"/>
+              <a:t>5</a:t>
+            </a:r>
+            <a:r>
+              <a:rPr lang="en-US" altLang="en-US" sz="1800"/>
+              <a:t>0 upregulted genes from mouse experiment were submitted throught the website https://clue.io/query</a:t>
+            </a:r>
+            <a:endParaRPr lang="en-US" altLang="en-US" sz="1800"/>
+          </a:p>
+          <a:p>
+            <a:r>
+              <a:rPr lang="en-US" altLang="en-US" sz="1800"/>
+              <a:t>With HA1E</a:t>
+            </a:r>
+            <a:endParaRPr lang="en-US" altLang="en-US" sz="1800"/>
+          </a:p>
+        </p:txBody>
+      </p:sp>
     </p:spTree>
   </p:cSld>
   <p:clrMapOvr>
@@ -8237,55 +8292,6 @@
         <p:nvPr/>
       </p:nvGrpSpPr>
       <p:grpSpPr/>
-      <p:sp>
-        <p:nvSpPr>
-          <p:cNvPr id="2" name="Title 1"/>
-          <p:cNvSpPr>
-            <a:spLocks noGrp="1"/>
-          </p:cNvSpPr>
-          <p:nvPr>
-            <p:ph type="title"/>
-          </p:nvPr>
-        </p:nvSpPr>
-        <p:spPr/>
-        <p:txBody>
-          <a:bodyPr/>
-          <a:p>
-            <a:r>
-              <a:rPr lang="en-US" altLang="en-US" b="1"/>
-              <a:t>Compare to clue.io </a:t>
-            </a:r>
-            <a:endParaRPr lang="en-US" altLang="en-US" b="1"/>
-          </a:p>
-        </p:txBody>
-      </p:sp>
-      <p:sp>
-        <p:nvSpPr>
-          <p:cNvPr id="3" name="Content Placeholder 2"/>
-          <p:cNvSpPr>
-            <a:spLocks noGrp="1"/>
-          </p:cNvSpPr>
-          <p:nvPr>
-            <p:ph idx="1"/>
-          </p:nvPr>
-        </p:nvSpPr>
-        <p:spPr>
-          <a:xfrm>
-            <a:off x="16510" y="1484630"/>
-            <a:ext cx="3092450" cy="4351655"/>
-          </a:xfrm>
-        </p:spPr>
-        <p:txBody>
-          <a:bodyPr/>
-          <a:p>
-            <a:r>
-              <a:rPr lang="en-US" altLang="en-US" sz="1800"/>
-              <a:t>In HEPG2</a:t>
-            </a:r>
-            <a:endParaRPr lang="en-US" altLang="en-US" sz="1800"/>
-          </a:p>
-        </p:txBody>
-      </p:sp>
       <p:pic>
         <p:nvPicPr>
           <p:cNvPr id="5" name="Picture 4"/>
@@ -8302,8 +8308,316 @@
         </p:blipFill>
         <p:spPr>
           <a:xfrm>
-            <a:off x="1849755" y="3197225"/>
-            <a:ext cx="13761720" cy="3599815"/>
+            <a:off x="2507615" y="1279525"/>
+            <a:ext cx="11904980" cy="5571490"/>
+          </a:xfrm>
+          <a:prstGeom prst="rect">
+            <a:avLst/>
+          </a:prstGeom>
+        </p:spPr>
+      </p:pic>
+      <p:sp>
+        <p:nvSpPr>
+          <p:cNvPr id="2" name="Title 1"/>
+          <p:cNvSpPr>
+            <a:spLocks noGrp="1"/>
+          </p:cNvSpPr>
+          <p:nvPr>
+            <p:ph type="title"/>
+          </p:nvPr>
+        </p:nvSpPr>
+        <p:spPr/>
+        <p:txBody>
+          <a:bodyPr/>
+          <a:p>
+            <a:r>
+              <a:rPr lang="en-US" altLang="en-US" b="1"/>
+              <a:t>Compare to clue.io </a:t>
+            </a:r>
+            <a:endParaRPr lang="en-US" altLang="en-US" b="1"/>
+          </a:p>
+        </p:txBody>
+      </p:sp>
+      <p:sp>
+        <p:nvSpPr>
+          <p:cNvPr id="3" name="Content Placeholder 2"/>
+          <p:cNvSpPr>
+            <a:spLocks noGrp="1"/>
+          </p:cNvSpPr>
+          <p:nvPr>
+            <p:ph idx="1"/>
+          </p:nvPr>
+        </p:nvSpPr>
+        <p:spPr>
+          <a:xfrm>
+            <a:off x="16510" y="1484630"/>
+            <a:ext cx="3092450" cy="4351655"/>
+          </a:xfrm>
+        </p:spPr>
+        <p:txBody>
+          <a:bodyPr/>
+          <a:p>
+            <a:r>
+              <a:rPr lang="en-US" altLang="en-US" sz="1800">
+                <a:sym typeface="+mn-ea"/>
+              </a:rPr>
+              <a:t>Top 150-300 downregulated genes and top 150 upregulted genes from mouse experiment were submitted throught the website https://clue.io/query</a:t>
+            </a:r>
+            <a:endParaRPr lang="en-US" altLang="en-US" sz="1800">
+              <a:sym typeface="+mn-ea"/>
+            </a:endParaRPr>
+          </a:p>
+          <a:p>
+            <a:r>
+              <a:rPr lang="en-US" altLang="en-US" sz="1800"/>
+              <a:t>With HA1E</a:t>
+            </a:r>
+            <a:endParaRPr lang="en-US" altLang="en-US" sz="1800"/>
+          </a:p>
+        </p:txBody>
+      </p:sp>
+    </p:spTree>
+  </p:cSld>
+  <p:clrMapOvr>
+    <a:masterClrMapping/>
+  </p:clrMapOvr>
+</p:sld>
+</file>
+
+<file path=ppt/slides/slide41.xml><?xml version="1.0" encoding="utf-8"?>
+<p:sld xmlns:a="http://schemas.openxmlformats.org/drawingml/2006/main" xmlns:r="http://schemas.openxmlformats.org/officeDocument/2006/relationships" xmlns:p="http://schemas.openxmlformats.org/presentationml/2006/main">
+  <p:cSld>
+    <p:spTree>
+      <p:nvGrpSpPr>
+        <p:cNvPr id="1" name=""/>
+        <p:cNvGrpSpPr/>
+        <p:nvPr/>
+      </p:nvGrpSpPr>
+      <p:grpSpPr/>
+      <p:pic>
+        <p:nvPicPr>
+          <p:cNvPr id="5" name="Picture 4"/>
+          <p:cNvPicPr>
+            <a:picLocks noChangeAspect="1"/>
+          </p:cNvPicPr>
+          <p:nvPr/>
+        </p:nvPicPr>
+        <p:blipFill>
+          <a:blip r:embed="rId1"/>
+          <a:stretch>
+            <a:fillRect/>
+          </a:stretch>
+        </p:blipFill>
+        <p:spPr>
+          <a:xfrm>
+            <a:off x="2810510" y="1395095"/>
+            <a:ext cx="14199870" cy="5466715"/>
+          </a:xfrm>
+          <a:prstGeom prst="rect">
+            <a:avLst/>
+          </a:prstGeom>
+        </p:spPr>
+      </p:pic>
+      <p:sp>
+        <p:nvSpPr>
+          <p:cNvPr id="2" name="Title 1"/>
+          <p:cNvSpPr>
+            <a:spLocks noGrp="1"/>
+          </p:cNvSpPr>
+          <p:nvPr>
+            <p:ph type="title"/>
+          </p:nvPr>
+        </p:nvSpPr>
+        <p:spPr/>
+        <p:txBody>
+          <a:bodyPr/>
+          <a:p>
+            <a:r>
+              <a:rPr lang="en-US" altLang="en-US" b="1"/>
+              <a:t>Compare to clue.io </a:t>
+            </a:r>
+            <a:endParaRPr lang="en-US" altLang="en-US" b="1"/>
+          </a:p>
+        </p:txBody>
+      </p:sp>
+      <p:sp>
+        <p:nvSpPr>
+          <p:cNvPr id="3" name="Content Placeholder 2"/>
+          <p:cNvSpPr>
+            <a:spLocks noGrp="1"/>
+          </p:cNvSpPr>
+          <p:nvPr>
+            <p:ph idx="1"/>
+          </p:nvPr>
+        </p:nvSpPr>
+        <p:spPr>
+          <a:xfrm>
+            <a:off x="16510" y="1484630"/>
+            <a:ext cx="3092450" cy="4351655"/>
+          </a:xfrm>
+        </p:spPr>
+        <p:txBody>
+          <a:bodyPr/>
+          <a:p>
+            <a:r>
+              <a:rPr lang="en-US" altLang="en-US" sz="1800">
+                <a:sym typeface="+mn-ea"/>
+              </a:rPr>
+              <a:t>Top </a:t>
+            </a:r>
+            <a:r>
+              <a:rPr lang="" altLang="en-US" sz="1800">
+                <a:sym typeface="+mn-ea"/>
+              </a:rPr>
+              <a:t>301-450</a:t>
+            </a:r>
+            <a:r>
+              <a:rPr lang="en-US" altLang="en-US" sz="1800">
+                <a:sym typeface="+mn-ea"/>
+              </a:rPr>
+              <a:t> downregulated genes and top 150</a:t>
+            </a:r>
+            <a:r>
+              <a:rPr lang="" altLang="en-US" sz="1800">
+                <a:sym typeface="+mn-ea"/>
+              </a:rPr>
+              <a:t>-300</a:t>
+            </a:r>
+            <a:r>
+              <a:rPr lang="en-US" altLang="en-US" sz="1800">
+                <a:sym typeface="+mn-ea"/>
+              </a:rPr>
+              <a:t> upregulted genes from mouse experiment were submitted throught the website</a:t>
+            </a:r>
+            <a:endParaRPr lang="en-US" altLang="en-US" sz="1800">
+              <a:sym typeface="+mn-ea"/>
+            </a:endParaRPr>
+          </a:p>
+          <a:p>
+            <a:pPr marL="0" indent="0">
+              <a:buNone/>
+            </a:pPr>
+            <a:r>
+              <a:rPr lang="en-US" altLang="en-US" sz="1800"/>
+              <a:t>https://clue.io/query</a:t>
+            </a:r>
+            <a:endParaRPr lang="en-US" altLang="en-US" sz="1800"/>
+          </a:p>
+          <a:p>
+            <a:r>
+              <a:rPr lang="en-US" altLang="en-US" sz="1800"/>
+              <a:t>With HA1E</a:t>
+            </a:r>
+            <a:endParaRPr lang="en-US" altLang="en-US" sz="1800"/>
+          </a:p>
+        </p:txBody>
+      </p:sp>
+    </p:spTree>
+  </p:cSld>
+  <p:clrMapOvr>
+    <a:masterClrMapping/>
+  </p:clrMapOvr>
+</p:sld>
+</file>
+
+<file path=ppt/slides/slide42.xml><?xml version="1.0" encoding="utf-8"?>
+<p:sld xmlns:a="http://schemas.openxmlformats.org/drawingml/2006/main" xmlns:r="http://schemas.openxmlformats.org/officeDocument/2006/relationships" xmlns:p="http://schemas.openxmlformats.org/presentationml/2006/main">
+  <p:cSld>
+    <p:spTree>
+      <p:nvGrpSpPr>
+        <p:cNvPr id="1" name=""/>
+        <p:cNvGrpSpPr/>
+        <p:nvPr/>
+      </p:nvGrpSpPr>
+      <p:grpSpPr/>
+      <p:sp>
+        <p:nvSpPr>
+          <p:cNvPr id="2" name="Title 1"/>
+          <p:cNvSpPr>
+            <a:spLocks noGrp="1"/>
+          </p:cNvSpPr>
+          <p:nvPr>
+            <p:ph type="title"/>
+          </p:nvPr>
+        </p:nvSpPr>
+        <p:spPr/>
+        <p:txBody>
+          <a:bodyPr/>
+          <a:p>
+            <a:r>
+              <a:rPr lang="en-US" altLang="en-US" b="1"/>
+              <a:t>Compare to clue.io </a:t>
+            </a:r>
+            <a:endParaRPr lang="en-US" altLang="en-US" b="1"/>
+          </a:p>
+        </p:txBody>
+      </p:sp>
+      <p:sp>
+        <p:nvSpPr>
+          <p:cNvPr id="3" name="Content Placeholder 2"/>
+          <p:cNvSpPr>
+            <a:spLocks noGrp="1"/>
+          </p:cNvSpPr>
+          <p:nvPr>
+            <p:ph idx="1"/>
+          </p:nvPr>
+        </p:nvSpPr>
+        <p:spPr>
+          <a:xfrm>
+            <a:off x="16510" y="1484630"/>
+            <a:ext cx="3092450" cy="4351655"/>
+          </a:xfrm>
+        </p:spPr>
+        <p:txBody>
+          <a:bodyPr/>
+          <a:p>
+            <a:r>
+              <a:rPr lang="en-US" altLang="en-US" sz="1800">
+                <a:sym typeface="+mn-ea"/>
+              </a:rPr>
+              <a:t>Top 301-450 downregulated genes and top 150-300 upregulted genes from mouse experiment were submitted throught the website</a:t>
+            </a:r>
+            <a:endParaRPr lang="en-US" altLang="en-US" sz="1800">
+              <a:sym typeface="+mn-ea"/>
+            </a:endParaRPr>
+          </a:p>
+          <a:p>
+            <a:pPr marL="0" indent="0">
+              <a:buNone/>
+            </a:pPr>
+            <a:r>
+              <a:rPr lang="en-US" altLang="en-US" sz="1800"/>
+              <a:t>https://clue.io/query</a:t>
+            </a:r>
+            <a:endParaRPr lang="en-US" altLang="en-US" sz="1800"/>
+          </a:p>
+          <a:p>
+            <a:r>
+              <a:rPr lang="en-US" altLang="en-US" sz="1800"/>
+              <a:t>With HA1E</a:t>
+            </a:r>
+            <a:endParaRPr lang="en-US" altLang="en-US" sz="1800"/>
+          </a:p>
+        </p:txBody>
+      </p:sp>
+      <p:pic>
+        <p:nvPicPr>
+          <p:cNvPr id="5" name="Picture 4"/>
+          <p:cNvPicPr>
+            <a:picLocks noChangeAspect="1"/>
+          </p:cNvPicPr>
+          <p:nvPr/>
+        </p:nvPicPr>
+        <p:blipFill>
+          <a:blip r:embed="rId1"/>
+          <a:stretch>
+            <a:fillRect/>
+          </a:stretch>
+        </p:blipFill>
+        <p:spPr>
+          <a:xfrm>
+            <a:off x="3108960" y="1484630"/>
+            <a:ext cx="9704705" cy="5380990"/>
           </a:xfrm>
           <a:prstGeom prst="rect">
             <a:avLst/>
@@ -8318,7 +8632,7 @@
 </p:sld>
 </file>
 
-<file path=ppt/slides/slide41.xml><?xml version="1.0" encoding="utf-8"?>
+<file path=ppt/slides/slide43.xml><?xml version="1.0" encoding="utf-8"?>
 <p:sld xmlns:a="http://schemas.openxmlformats.org/drawingml/2006/main" xmlns:r="http://schemas.openxmlformats.org/officeDocument/2006/relationships" xmlns:p="http://schemas.openxmlformats.org/presentationml/2006/main">
   <p:cSld>
     <p:spTree>

--- a/cMAP_stats.pptx
+++ b/cMAP_stats.pptx
@@ -5,10 +5,10 @@
     <p:sldMasterId id="2147483648" r:id="rId1"/>
   </p:sldMasterIdLst>
   <p:notesMasterIdLst>
-    <p:notesMasterId r:id="rId46"/>
+    <p:notesMasterId r:id="rId48"/>
   </p:notesMasterIdLst>
   <p:handoutMasterIdLst>
-    <p:handoutMasterId r:id="rId47"/>
+    <p:handoutMasterId r:id="rId49"/>
   </p:handoutMasterIdLst>
   <p:sldIdLst>
     <p:sldId id="256" r:id="rId3"/>
@@ -53,7 +53,9 @@
     <p:sldId id="329" r:id="rId42"/>
     <p:sldId id="330" r:id="rId43"/>
     <p:sldId id="331" r:id="rId44"/>
-    <p:sldId id="299" r:id="rId45"/>
+    <p:sldId id="333" r:id="rId45"/>
+    <p:sldId id="334" r:id="rId46"/>
+    <p:sldId id="299" r:id="rId47"/>
   </p:sldIdLst>
   <p:sldSz cx="12192000" cy="6858000"/>
   <p:notesSz cx="7103745" cy="10234295"/>
@@ -7496,6 +7498,68 @@
           </a:p>
         </p:txBody>
       </p:sp>
+      <p:sp>
+        <p:nvSpPr>
+          <p:cNvPr id="4" name="Text Box 3"/>
+          <p:cNvSpPr txBox="1"/>
+          <p:nvPr/>
+        </p:nvSpPr>
+        <p:spPr>
+          <a:xfrm>
+            <a:off x="2506345" y="5198745"/>
+            <a:ext cx="5653405" cy="706755"/>
+          </a:xfrm>
+          <a:prstGeom prst="rect">
+            <a:avLst/>
+          </a:prstGeom>
+          <a:noFill/>
+        </p:spPr>
+        <p:txBody>
+          <a:bodyPr wrap="square" rtlCol="0">
+            <a:spAutoFit/>
+            <a:scene3d>
+              <a:camera prst="orthographicFront"/>
+              <a:lightRig rig="threePt" dir="t"/>
+            </a:scene3d>
+          </a:bodyPr>
+          <a:p>
+            <a:pPr algn="ctr"/>
+            <a:r>
+              <a:rPr lang="" altLang="en-US" sz="4000">
+                <a:ln w="22225">
+                  <a:solidFill>
+                    <a:schemeClr val="accent2"/>
+                  </a:solidFill>
+                  <a:prstDash val="solid"/>
+                </a:ln>
+                <a:solidFill>
+                  <a:schemeClr val="accent2">
+                    <a:lumMod val="40000"/>
+                    <a:lumOff val="60000"/>
+                  </a:schemeClr>
+                </a:solidFill>
+                <a:effectLst/>
+              </a:rPr>
+              <a:t>3 lists</a:t>
+            </a:r>
+            <a:endParaRPr lang="" altLang="en-US" sz="4000">
+              <a:ln w="22225">
+                <a:solidFill>
+                  <a:schemeClr val="accent2"/>
+                </a:solidFill>
+                <a:prstDash val="solid"/>
+              </a:ln>
+              <a:solidFill>
+                <a:schemeClr val="accent2">
+                  <a:lumMod val="40000"/>
+                  <a:lumOff val="60000"/>
+                </a:schemeClr>
+              </a:solidFill>
+              <a:effectLst/>
+            </a:endParaRPr>
+          </a:p>
+        </p:txBody>
+      </p:sp>
     </p:spTree>
   </p:cSld>
   <p:clrMapOvr>
@@ -7581,23 +7645,7 @@
           <a:p>
             <a:r>
               <a:rPr lang="en-US" altLang="en-US" sz="1800"/>
-              <a:t>Top 150 </a:t>
-            </a:r>
-            <a:r>
-              <a:rPr lang="" altLang="en-US" sz="1800"/>
-              <a:t>down</a:t>
-            </a:r>
-            <a:r>
-              <a:rPr lang="en-US" altLang="en-US" sz="1800"/>
-              <a:t>regulated genes and top 1</a:t>
-            </a:r>
-            <a:r>
-              <a:rPr lang="" altLang="en-US" sz="1800"/>
-              <a:t>5</a:t>
-            </a:r>
-            <a:r>
-              <a:rPr lang="en-US" altLang="en-US" sz="1800"/>
-              <a:t>0 upregulted genes from mouse experiment were submitted throught the website </a:t>
+              <a:t>Top 150 downregulated genes and top 150 upregulted genes from mouse experiment were submitted throught the website </a:t>
             </a:r>
             <a:r>
               <a:rPr lang="en-US" altLang="en-US" sz="1800">
@@ -7807,31 +7855,7 @@
           <a:p>
             <a:r>
               <a:rPr lang="en-US" altLang="en-US" sz="1800"/>
-              <a:t>Top 150</a:t>
-            </a:r>
-            <a:r>
-              <a:rPr lang="" altLang="en-US" sz="1800"/>
-              <a:t>-300</a:t>
-            </a:r>
-            <a:r>
-              <a:rPr lang="en-US" altLang="en-US" sz="1800"/>
-              <a:t> </a:t>
-            </a:r>
-            <a:r>
-              <a:rPr lang="" altLang="en-US" sz="1800"/>
-              <a:t>down</a:t>
-            </a:r>
-            <a:r>
-              <a:rPr lang="en-US" altLang="en-US" sz="1800"/>
-              <a:t>regulated genes and top 1</a:t>
-            </a:r>
-            <a:r>
-              <a:rPr lang="" altLang="en-US" sz="1800"/>
-              <a:t>5</a:t>
-            </a:r>
-            <a:r>
-              <a:rPr lang="en-US" altLang="en-US" sz="1800"/>
-              <a:t>0 upregulted genes from mouse experiment were submitted throught the website https://clue.io/query</a:t>
+              <a:t>Top 150-300 downregulated genes and top 150 upregulted genes from mouse experiment were submitted throught the website https://clue.io/query</a:t>
             </a:r>
             <a:endParaRPr lang="en-US" altLang="en-US" sz="1800"/>
           </a:p>
@@ -8463,31 +8487,7 @@
               <a:rPr lang="en-US" altLang="en-US" sz="1800">
                 <a:sym typeface="+mn-ea"/>
               </a:rPr>
-              <a:t>Top </a:t>
-            </a:r>
-            <a:r>
-              <a:rPr lang="" altLang="en-US" sz="1800">
-                <a:sym typeface="+mn-ea"/>
-              </a:rPr>
-              <a:t>301-450</a:t>
-            </a:r>
-            <a:r>
-              <a:rPr lang="en-US" altLang="en-US" sz="1800">
-                <a:sym typeface="+mn-ea"/>
-              </a:rPr>
-              <a:t> downregulated genes and top 150</a:t>
-            </a:r>
-            <a:r>
-              <a:rPr lang="" altLang="en-US" sz="1800">
-                <a:sym typeface="+mn-ea"/>
-              </a:rPr>
-              <a:t>-300</a:t>
-            </a:r>
-            <a:r>
-              <a:rPr lang="en-US" altLang="en-US" sz="1800">
-                <a:sym typeface="+mn-ea"/>
-              </a:rPr>
-              <a:t> upregulted genes from mouse experiment were submitted throught the website</a:t>
+              <a:t>Top 301-450 downregulated genes and top 150-300 upregulted genes from mouse experiment were submitted throught the website</a:t>
             </a:r>
             <a:endParaRPr lang="en-US" altLang="en-US" sz="1800">
               <a:sym typeface="+mn-ea"/>
@@ -8633,6 +8633,551 @@
 </file>
 
 <file path=ppt/slides/slide43.xml><?xml version="1.0" encoding="utf-8"?>
+<p:sld xmlns:a="http://schemas.openxmlformats.org/drawingml/2006/main" xmlns:r="http://schemas.openxmlformats.org/officeDocument/2006/relationships" xmlns:p="http://schemas.openxmlformats.org/presentationml/2006/main">
+  <p:cSld>
+    <p:spTree>
+      <p:nvGrpSpPr>
+        <p:cNvPr id="1" name=""/>
+        <p:cNvGrpSpPr/>
+        <p:nvPr/>
+      </p:nvGrpSpPr>
+      <p:grpSpPr/>
+      <p:sp>
+        <p:nvSpPr>
+          <p:cNvPr id="2" name="Title 1"/>
+          <p:cNvSpPr>
+            <a:spLocks noGrp="1"/>
+          </p:cNvSpPr>
+          <p:nvPr>
+            <p:ph type="title"/>
+          </p:nvPr>
+        </p:nvSpPr>
+        <p:spPr/>
+        <p:txBody>
+          <a:bodyPr/>
+          <a:p>
+            <a:r>
+              <a:rPr lang="" altLang="en-US"/>
+              <a:t>The common drugs</a:t>
+            </a:r>
+            <a:endParaRPr lang="" altLang="en-US"/>
+          </a:p>
+        </p:txBody>
+      </p:sp>
+      <p:graphicFrame>
+        <p:nvGraphicFramePr>
+          <p:cNvPr id="5" name="Content Placeholder 4"/>
+          <p:cNvGraphicFramePr/>
+          <p:nvPr>
+            <p:ph idx="1"/>
+          </p:nvPr>
+        </p:nvGraphicFramePr>
+        <p:xfrm>
+          <a:off x="838200" y="1825625"/>
+          <a:ext cx="10515600" cy="1524000"/>
+        </p:xfrm>
+        <a:graphic>
+          <a:graphicData uri="http://schemas.openxmlformats.org/drawingml/2006/table">
+            <a:tbl>
+              <a:tblPr firstRow="1" bandRow="1">
+                <a:tableStyleId>{5C22544A-7EE6-4342-B048-85BDC9FD1C3A}</a:tableStyleId>
+              </a:tblPr>
+              <a:tblGrid>
+                <a:gridCol w="5257800"/>
+                <a:gridCol w="5257800"/>
+              </a:tblGrid>
+              <a:tr h="381000">
+                <a:tc>
+                  <a:txBody>
+                    <a:bodyPr/>
+                    <a:p>
+                      <a:pPr>
+                        <a:buNone/>
+                      </a:pPr>
+                      <a:r>
+                        <a:rPr lang="" altLang="en-US"/>
+                        <a:t>Factors affecting positively corresponing to Tgfa KO genes</a:t>
+                      </a:r>
+                      <a:endParaRPr lang="" altLang="en-US"/>
+                    </a:p>
+                  </a:txBody>
+                  <a:tcPr/>
+                </a:tc>
+                <a:tc>
+                  <a:txBody>
+                    <a:bodyPr/>
+                    <a:p>
+                      <a:pPr>
+                        <a:buNone/>
+                      </a:pPr>
+                      <a:r>
+                        <a:rPr lang="" altLang="en-US" sz="1800">
+                          <a:sym typeface="+mn-ea"/>
+                        </a:rPr>
+                        <a:t>Factors </a:t>
+                      </a:r>
+                      <a:r>
+                        <a:rPr lang="en-US" altLang="en-US" sz="1800">
+                          <a:sym typeface="+mn-ea"/>
+                        </a:rPr>
+                        <a:t>affecting </a:t>
+                      </a:r>
+                      <a:r>
+                        <a:rPr lang="" altLang="en-US" sz="1800">
+                          <a:sym typeface="+mn-ea"/>
+                        </a:rPr>
+                        <a:t>negatively</a:t>
+                      </a:r>
+                      <a:r>
+                        <a:rPr lang="en-US" altLang="en-US" sz="1800">
+                          <a:sym typeface="+mn-ea"/>
+                        </a:rPr>
+                        <a:t> corresponing to Tgfa KO genes</a:t>
+                      </a:r>
+                      <a:endParaRPr lang="en-US" altLang="en-US" sz="1800">
+                        <a:sym typeface="+mn-ea"/>
+                      </a:endParaRPr>
+                    </a:p>
+                    <a:p>
+                      <a:pPr>
+                        <a:buNone/>
+                      </a:pPr>
+                      <a:endParaRPr lang="en-US"/>
+                    </a:p>
+                  </a:txBody>
+                  <a:tcPr/>
+                </a:tc>
+              </a:tr>
+              <a:tr h="381000">
+                <a:tc>
+                  <a:txBody>
+                    <a:bodyPr/>
+                    <a:p>
+                      <a:pPr>
+                        <a:buNone/>
+                      </a:pPr>
+                      <a:r>
+                        <a:rPr lang="en-US"/>
+                        <a:t>"chromomycin-a3"  DNA binding agent</a:t>
+                      </a:r>
+                      <a:endParaRPr lang="en-US"/>
+                    </a:p>
+                    <a:p>
+                      <a:pPr>
+                        <a:buNone/>
+                      </a:pPr>
+                      <a:r>
+                        <a:rPr lang="en-US"/>
+                        <a:t>"UBR7" </a:t>
+                      </a:r>
+                      <a:r>
+                        <a:rPr lang="en-US" sz="1400"/>
+                        <a:t> Ubiquitin protein ligase E3 component n-recognins</a:t>
+                      </a:r>
+                      <a:endParaRPr lang="en-US" sz="1400"/>
+                    </a:p>
+                    <a:p>
+                      <a:pPr>
+                        <a:buNone/>
+                      </a:pPr>
+                      <a:r>
+                        <a:rPr lang="en-US"/>
+                        <a:t>"OXGR1"  GPCR / Class A : Orphans</a:t>
+                      </a:r>
+                      <a:endParaRPr lang="en-US"/>
+                    </a:p>
+                    <a:p>
+                      <a:pPr>
+                        <a:buNone/>
+                      </a:pPr>
+                      <a:r>
+                        <a:rPr lang="en-US"/>
+                        <a:t>"idarubicin" Topoisomerase inhibitor</a:t>
+                      </a:r>
+                      <a:endParaRPr lang="en-US"/>
+                    </a:p>
+                    <a:p>
+                      <a:pPr>
+                        <a:buNone/>
+                      </a:pPr>
+                      <a:r>
+                        <a:rPr lang="en-US"/>
+                        <a:t>"ZG-10" JNK inhibitor</a:t>
+                      </a:r>
+                      <a:endParaRPr lang="en-US"/>
+                    </a:p>
+                    <a:p>
+                      <a:pPr>
+                        <a:buNone/>
+                      </a:pPr>
+                      <a:r>
+                        <a:rPr lang="en-US"/>
+                        <a:t>"JNK-9L"JNK inhibitor</a:t>
+                      </a:r>
+                      <a:endParaRPr lang="en-US"/>
+                    </a:p>
+                    <a:p>
+                      <a:pPr>
+                        <a:buNone/>
+                      </a:pPr>
+                      <a:r>
+                        <a:rPr lang="en-US" sz="1800">
+                          <a:sym typeface="+mn-ea"/>
+                        </a:rPr>
+                        <a:t>"F10" Chymotrypsin</a:t>
+                      </a:r>
+                      <a:endParaRPr lang="en-US" sz="1800">
+                        <a:sym typeface="+mn-ea"/>
+                      </a:endParaRPr>
+                    </a:p>
+                    <a:p>
+                      <a:pPr>
+                        <a:buNone/>
+                      </a:pPr>
+                      <a:r>
+                        <a:rPr lang="en-US" sz="1800">
+                          <a:sym typeface="+mn-ea"/>
+                        </a:rPr>
+                        <a:t>"ochratoxin-a" </a:t>
+                      </a:r>
+                      <a:r>
+                        <a:rPr lang="en-US" sz="1400">
+                          <a:sym typeface="+mn-ea"/>
+                        </a:rPr>
+                        <a:t>Phenylalanyl tRNA synthetase inhibitor</a:t>
+                      </a:r>
+                      <a:endParaRPr lang="en-US" sz="1800">
+                        <a:sym typeface="+mn-ea"/>
+                      </a:endParaRPr>
+                    </a:p>
+                    <a:p>
+                      <a:pPr>
+                        <a:buNone/>
+                      </a:pPr>
+                      <a:endParaRPr lang="en-US"/>
+                    </a:p>
+                  </a:txBody>
+                  <a:tcPr/>
+                </a:tc>
+                <a:tc>
+                  <a:txBody>
+                    <a:bodyPr/>
+                    <a:p>
+                      <a:pPr>
+                        <a:buNone/>
+                      </a:pPr>
+                      <a:r>
+                        <a:rPr lang="en-US"/>
+                        <a:t>"RAB21" GTPases </a:t>
+                      </a:r>
+                      <a:r>
+                        <a:rPr lang="" altLang="en-US"/>
+                        <a:t>gene</a:t>
+                      </a:r>
+                      <a:endParaRPr lang="en-US"/>
+                    </a:p>
+                    <a:p>
+                      <a:pPr>
+                        <a:buNone/>
+                      </a:pPr>
+                      <a:r>
+                        <a:rPr lang="en-US"/>
+                        <a:t>"torin-1" MTOR inhibitor</a:t>
+                      </a:r>
+                      <a:endParaRPr lang="en-US"/>
+                    </a:p>
+                    <a:p>
+                      <a:pPr>
+                        <a:buNone/>
+                      </a:pPr>
+                      <a:r>
+                        <a:rPr lang="en-US"/>
+                        <a:t>"kinetin-riboside"  Apoptosis stimulant</a:t>
+                      </a:r>
+                      <a:endParaRPr lang="en-US"/>
+                    </a:p>
+                    <a:p>
+                      <a:pPr>
+                        <a:buNone/>
+                      </a:pPr>
+                      <a:r>
+                        <a:rPr lang="en-US"/>
+                        <a:t>"DAXX"  </a:t>
+                      </a:r>
+                      <a:r>
+                        <a:rPr lang="" altLang="en-US"/>
+                        <a:t>?</a:t>
+                      </a:r>
+                      <a:endParaRPr lang="en-US"/>
+                    </a:p>
+                    <a:p>
+                      <a:pPr>
+                        <a:buNone/>
+                      </a:pPr>
+                      <a:r>
+                        <a:rPr lang="en-US"/>
+                        <a:t>"TRAF4"  </a:t>
+                      </a:r>
+                      <a:r>
+                        <a:rPr lang="" altLang="en-US"/>
+                        <a:t>gene</a:t>
+                      </a:r>
+                      <a:endParaRPr lang="en-US"/>
+                    </a:p>
+                    <a:p>
+                      <a:pPr>
+                        <a:buNone/>
+                      </a:pPr>
+                      <a:r>
+                        <a:rPr lang="en-US"/>
+                        <a:t>"C19ORF10"  </a:t>
+                      </a:r>
+                      <a:r>
+                        <a:rPr lang="" altLang="en-US"/>
+                        <a:t>gene</a:t>
+                      </a:r>
+                      <a:endParaRPr lang="en-US"/>
+                    </a:p>
+                    <a:p>
+                      <a:pPr>
+                        <a:buNone/>
+                      </a:pPr>
+                      <a:r>
+                        <a:rPr lang="en-US"/>
+                        <a:t>"LZIC" </a:t>
+                      </a:r>
+                      <a:r>
+                        <a:rPr lang="" altLang="en-US"/>
+                        <a:t>gene</a:t>
+                      </a:r>
+                      <a:endParaRPr lang="en-US"/>
+                    </a:p>
+                    <a:p>
+                      <a:pPr>
+                        <a:buNone/>
+                      </a:pPr>
+                      <a:r>
+                        <a:rPr lang="en-US"/>
+                        <a:t>"KLHDC9" </a:t>
+                      </a:r>
+                      <a:r>
+                        <a:rPr lang="" altLang="en-US"/>
+                        <a:t>gene</a:t>
+                      </a:r>
+                      <a:endParaRPr lang="" altLang="en-US"/>
+                    </a:p>
+                  </a:txBody>
+                  <a:tcPr/>
+                </a:tc>
+              </a:tr>
+              <a:tr h="381000">
+                <a:tc>
+                  <a:txBody>
+                    <a:bodyPr/>
+                    <a:p>
+                      <a:pPr>
+                        <a:buNone/>
+                      </a:pPr>
+                      <a:endParaRPr lang="en-US"/>
+                    </a:p>
+                  </a:txBody>
+                  <a:tcPr/>
+                </a:tc>
+                <a:tc>
+                  <a:txBody>
+                    <a:bodyPr/>
+                    <a:p>
+                      <a:pPr>
+                        <a:buNone/>
+                      </a:pPr>
+                      <a:endParaRPr lang="en-US"/>
+                    </a:p>
+                  </a:txBody>
+                  <a:tcPr/>
+                </a:tc>
+              </a:tr>
+              <a:tr h="381000">
+                <a:tc>
+                  <a:txBody>
+                    <a:bodyPr/>
+                    <a:p>
+                      <a:pPr>
+                        <a:buNone/>
+                      </a:pPr>
+                      <a:r>
+                        <a:rPr lang="" altLang="en-US" sz="1400"/>
+                        <a:t>common in top 200 factors of the three lists</a:t>
+                      </a:r>
+                      <a:endParaRPr lang="" altLang="en-US" sz="1400"/>
+                    </a:p>
+                  </a:txBody>
+                  <a:tcPr/>
+                </a:tc>
+                <a:tc>
+                  <a:txBody>
+                    <a:bodyPr/>
+                    <a:p>
+                      <a:pPr>
+                        <a:buNone/>
+                      </a:pPr>
+                      <a:r>
+                        <a:rPr lang="en-US" altLang="en-US" sz="1400">
+                          <a:sym typeface="+mn-ea"/>
+                        </a:rPr>
+                        <a:t>common in </a:t>
+                      </a:r>
+                      <a:r>
+                        <a:rPr lang="" altLang="en-US" sz="1400">
+                          <a:sym typeface="+mn-ea"/>
+                        </a:rPr>
+                        <a:t>low </a:t>
+                      </a:r>
+                      <a:r>
+                        <a:rPr lang="en-US" altLang="en-US" sz="1400">
+                          <a:sym typeface="+mn-ea"/>
+                        </a:rPr>
+                        <a:t>200 factors of the three lists</a:t>
+                      </a:r>
+                      <a:endParaRPr lang="en-US" altLang="en-US" sz="1400">
+                        <a:sym typeface="+mn-ea"/>
+                      </a:endParaRPr>
+                    </a:p>
+                    <a:p>
+                      <a:pPr>
+                        <a:buNone/>
+                      </a:pPr>
+                      <a:endParaRPr lang="en-US" altLang="en-US" sz="1400">
+                        <a:sym typeface="+mn-ea"/>
+                      </a:endParaRPr>
+                    </a:p>
+                  </a:txBody>
+                  <a:tcPr/>
+                </a:tc>
+              </a:tr>
+            </a:tbl>
+          </a:graphicData>
+        </a:graphic>
+      </p:graphicFrame>
+    </p:spTree>
+  </p:cSld>
+  <p:clrMapOvr>
+    <a:masterClrMapping/>
+  </p:clrMapOvr>
+</p:sld>
+</file>
+
+<file path=ppt/slides/slide44.xml><?xml version="1.0" encoding="utf-8"?>
+<p:sld xmlns:a="http://schemas.openxmlformats.org/drawingml/2006/main" xmlns:r="http://schemas.openxmlformats.org/officeDocument/2006/relationships" xmlns:p="http://schemas.openxmlformats.org/presentationml/2006/main">
+  <p:cSld>
+    <p:spTree>
+      <p:nvGrpSpPr>
+        <p:cNvPr id="1" name=""/>
+        <p:cNvGrpSpPr/>
+        <p:nvPr/>
+      </p:nvGrpSpPr>
+      <p:grpSpPr/>
+      <p:sp>
+        <p:nvSpPr>
+          <p:cNvPr id="2" name="Title 1"/>
+          <p:cNvSpPr>
+            <a:spLocks noGrp="1"/>
+          </p:cNvSpPr>
+          <p:nvPr>
+            <p:ph type="title"/>
+          </p:nvPr>
+        </p:nvSpPr>
+        <p:spPr/>
+        <p:txBody>
+          <a:bodyPr/>
+          <a:p>
+            <a:r>
+              <a:rPr lang="" altLang="en-US"/>
+              <a:t>The common between the two methods</a:t>
+            </a:r>
+            <a:endParaRPr lang="" altLang="en-US"/>
+          </a:p>
+        </p:txBody>
+      </p:sp>
+      <p:sp>
+        <p:nvSpPr>
+          <p:cNvPr id="3" name="Content Placeholder 2"/>
+          <p:cNvSpPr>
+            <a:spLocks noGrp="1"/>
+          </p:cNvSpPr>
+          <p:nvPr>
+            <p:ph idx="1"/>
+          </p:nvPr>
+        </p:nvSpPr>
+        <p:spPr/>
+        <p:txBody>
+          <a:bodyPr/>
+          <a:p>
+            <a:pPr marL="0" indent="0">
+              <a:buNone/>
+            </a:pPr>
+            <a:r>
+              <a:rPr lang="" altLang="en-US"/>
+              <a:t>Similar to Tgfa-KO</a:t>
+            </a:r>
+            <a:endParaRPr lang="" altLang="en-US"/>
+          </a:p>
+          <a:p>
+            <a:r>
+              <a:rPr lang="" altLang="en-US"/>
+              <a:t>Topo-isomerase inhibitors</a:t>
+            </a:r>
+            <a:endParaRPr lang="" altLang="en-US"/>
+          </a:p>
+          <a:p>
+            <a:r>
+              <a:rPr lang="" altLang="en-US"/>
+              <a:t>Anti tumoral</a:t>
+            </a:r>
+            <a:endParaRPr lang="" altLang="en-US"/>
+          </a:p>
+          <a:p>
+            <a:endParaRPr lang="" altLang="en-US"/>
+          </a:p>
+          <a:p>
+            <a:endParaRPr lang="" altLang="en-US"/>
+          </a:p>
+          <a:p>
+            <a:pPr marL="0" indent="0">
+              <a:buNone/>
+            </a:pPr>
+            <a:r>
+              <a:rPr lang="" altLang="en-US"/>
+              <a:t>Different from Tgfa-KO</a:t>
+            </a:r>
+            <a:endParaRPr lang="" altLang="en-US"/>
+          </a:p>
+          <a:p>
+            <a:r>
+              <a:rPr lang="" altLang="en-US"/>
+              <a:t>Apoptosis stimulant</a:t>
+            </a:r>
+            <a:endParaRPr lang="" altLang="en-US"/>
+          </a:p>
+          <a:p>
+            <a:endParaRPr lang="" altLang="en-US"/>
+          </a:p>
+          <a:p>
+            <a:endParaRPr lang="" altLang="en-US"/>
+          </a:p>
+          <a:p>
+            <a:endParaRPr lang="" altLang="en-US"/>
+          </a:p>
+        </p:txBody>
+      </p:sp>
+    </p:spTree>
+  </p:cSld>
+  <p:clrMapOvr>
+    <a:masterClrMapping/>
+  </p:clrMapOvr>
+</p:sld>
+</file>
+
+<file path=ppt/slides/slide45.xml><?xml version="1.0" encoding="utf-8"?>
 <p:sld xmlns:a="http://schemas.openxmlformats.org/drawingml/2006/main" xmlns:r="http://schemas.openxmlformats.org/officeDocument/2006/relationships" xmlns:p="http://schemas.openxmlformats.org/presentationml/2006/main">
   <p:cSld>
     <p:spTree>
